--- a/CMake, Ctest et les systèmes de construction.pptx
+++ b/CMake, Ctest et les systèmes de construction.pptx
@@ -5,7 +5,7 @@
     <p:sldMasterId id="2147483660" r:id="rId1"/>
   </p:sldMasterIdLst>
   <p:notesMasterIdLst>
-    <p:notesMasterId r:id="rId12"/>
+    <p:notesMasterId r:id="rId20"/>
   </p:notesMasterIdLst>
   <p:sldIdLst>
     <p:sldId id="256" r:id="rId2"/>
@@ -17,7 +17,15 @@
     <p:sldId id="262" r:id="rId8"/>
     <p:sldId id="264" r:id="rId9"/>
     <p:sldId id="265" r:id="rId10"/>
-    <p:sldId id="263" r:id="rId11"/>
+    <p:sldId id="266" r:id="rId11"/>
+    <p:sldId id="267" r:id="rId12"/>
+    <p:sldId id="268" r:id="rId13"/>
+    <p:sldId id="269" r:id="rId14"/>
+    <p:sldId id="270" r:id="rId15"/>
+    <p:sldId id="271" r:id="rId16"/>
+    <p:sldId id="263" r:id="rId17"/>
+    <p:sldId id="272" r:id="rId18"/>
+    <p:sldId id="273" r:id="rId19"/>
   </p:sldIdLst>
   <p:sldSz cx="12192000" cy="6858000"/>
   <p:notesSz cx="6858000" cy="9144000"/>
@@ -116,6 +124,11 @@
       </a:defRPr>
     </a:lvl9pPr>
   </p:defaultTextStyle>
+  <p:extLst>
+    <p:ext uri="{EFAFB233-063F-42B5-8137-9DF3F51BA10A}">
+      <p15:sldGuideLst xmlns:p15="http://schemas.microsoft.com/office/powerpoint/2012/main"/>
+    </p:ext>
+  </p:extLst>
 </p:presentation>
 </file>
 
@@ -201,7 +214,7 @@
           <a:p>
             <a:fld id="{126DB888-8595-447C-94CF-86A43F8845D2}" type="datetimeFigureOut">
               <a:rPr lang="en-CA" smtClean="0"/>
-              <a:t>2024-11-06</a:t>
+              <a:t>2024-11-07</a:t>
             </a:fld>
             <a:endParaRPr lang="en-CA"/>
           </a:p>
@@ -519,7 +532,7 @@
           <a:noFill/>
           <a:extLst>
             <a:ext uri="{909E8E84-426E-40dd-AFC4-6F175D3DCCD1}">
-              <a14:hiddenFill xmlns:a14="http://schemas.microsoft.com/office/drawing/2010/main" xmlns="">
+              <a14:hiddenFill xmlns="" xmlns:a14="http://schemas.microsoft.com/office/drawing/2010/main">
                 <a:solidFill>
                   <a:srgbClr val="FFFFFF"/>
                 </a:solidFill>
@@ -579,7 +592,7 @@
             </a:ln>
             <a:extLst>
               <a:ext uri="{91240B29-F687-4f45-9708-019B960494DF}">
-                <a14:hiddenLine xmlns:a14="http://schemas.microsoft.com/office/drawing/2010/main" xmlns="" w="9525">
+                <a14:hiddenLine xmlns="" xmlns:a14="http://schemas.microsoft.com/office/drawing/2010/main" w="9525">
                   <a:solidFill>
                     <a:srgbClr val="000000"/>
                   </a:solidFill>
@@ -669,7 +682,7 @@
             </a:ln>
             <a:extLst>
               <a:ext uri="{91240B29-F687-4f45-9708-019B960494DF}">
-                <a14:hiddenLine xmlns:a14="http://schemas.microsoft.com/office/drawing/2010/main" xmlns="" w="9525">
+                <a14:hiddenLine xmlns="" xmlns:a14="http://schemas.microsoft.com/office/drawing/2010/main" w="9525">
                   <a:solidFill>
                     <a:srgbClr val="000000"/>
                   </a:solidFill>
@@ -759,7 +772,7 @@
             </a:ln>
             <a:extLst>
               <a:ext uri="{91240B29-F687-4f45-9708-019B960494DF}">
-                <a14:hiddenLine xmlns:a14="http://schemas.microsoft.com/office/drawing/2010/main" xmlns="" w="9525">
+                <a14:hiddenLine xmlns="" xmlns:a14="http://schemas.microsoft.com/office/drawing/2010/main" w="9525">
                   <a:solidFill>
                     <a:srgbClr val="000000"/>
                   </a:solidFill>
@@ -793,7 +806,7 @@
             </a:ln>
             <a:extLst>
               <a:ext uri="{91240B29-F687-4f45-9708-019B960494DF}">
-                <a14:hiddenLine xmlns:a14="http://schemas.microsoft.com/office/drawing/2010/main" xmlns="" w="9525">
+                <a14:hiddenLine xmlns="" xmlns:a14="http://schemas.microsoft.com/office/drawing/2010/main" w="9525">
                   <a:solidFill>
                     <a:srgbClr val="000000"/>
                   </a:solidFill>
@@ -883,7 +896,7 @@
             </a:ln>
             <a:extLst>
               <a:ext uri="{91240B29-F687-4f45-9708-019B960494DF}">
-                <a14:hiddenLine xmlns:a14="http://schemas.microsoft.com/office/drawing/2010/main" xmlns="" w="9525">
+                <a14:hiddenLine xmlns="" xmlns:a14="http://schemas.microsoft.com/office/drawing/2010/main" w="9525">
                   <a:solidFill>
                     <a:srgbClr val="000000"/>
                   </a:solidFill>
@@ -945,7 +958,7 @@
             </a:ln>
             <a:extLst>
               <a:ext uri="{91240B29-F687-4f45-9708-019B960494DF}">
-                <a14:hiddenLine xmlns:a14="http://schemas.microsoft.com/office/drawing/2010/main" xmlns="" w="9525">
+                <a14:hiddenLine xmlns="" xmlns:a14="http://schemas.microsoft.com/office/drawing/2010/main" w="9525">
                   <a:solidFill>
                     <a:srgbClr val="000000"/>
                   </a:solidFill>
@@ -1007,7 +1020,7 @@
             </a:ln>
             <a:extLst>
               <a:ext uri="{91240B29-F687-4f45-9708-019B960494DF}">
-                <a14:hiddenLine xmlns:a14="http://schemas.microsoft.com/office/drawing/2010/main" xmlns="" w="9525">
+                <a14:hiddenLine xmlns="" xmlns:a14="http://schemas.microsoft.com/office/drawing/2010/main" w="9525">
                   <a:solidFill>
                     <a:srgbClr val="000000"/>
                   </a:solidFill>
@@ -1097,7 +1110,7 @@
             </a:ln>
             <a:extLst>
               <a:ext uri="{91240B29-F687-4f45-9708-019B960494DF}">
-                <a14:hiddenLine xmlns:a14="http://schemas.microsoft.com/office/drawing/2010/main" xmlns="" w="9525">
+                <a14:hiddenLine xmlns="" xmlns:a14="http://schemas.microsoft.com/office/drawing/2010/main" w="9525">
                   <a:solidFill>
                     <a:srgbClr val="000000"/>
                   </a:solidFill>
@@ -1159,7 +1172,7 @@
             </a:ln>
             <a:extLst>
               <a:ext uri="{91240B29-F687-4f45-9708-019B960494DF}">
-                <a14:hiddenLine xmlns:a14="http://schemas.microsoft.com/office/drawing/2010/main" xmlns="" w="9525">
+                <a14:hiddenLine xmlns="" xmlns:a14="http://schemas.microsoft.com/office/drawing/2010/main" w="9525">
                   <a:solidFill>
                     <a:srgbClr val="000000"/>
                   </a:solidFill>
@@ -1221,7 +1234,7 @@
             </a:ln>
             <a:extLst>
               <a:ext uri="{91240B29-F687-4f45-9708-019B960494DF}">
-                <a14:hiddenLine xmlns:a14="http://schemas.microsoft.com/office/drawing/2010/main" xmlns="" w="9525">
+                <a14:hiddenLine xmlns="" xmlns:a14="http://schemas.microsoft.com/office/drawing/2010/main" w="9525">
                   <a:solidFill>
                     <a:srgbClr val="000000"/>
                   </a:solidFill>
@@ -1311,7 +1324,7 @@
             </a:ln>
             <a:extLst>
               <a:ext uri="{91240B29-F687-4f45-9708-019B960494DF}">
-                <a14:hiddenLine xmlns:a14="http://schemas.microsoft.com/office/drawing/2010/main" xmlns="" w="9525">
+                <a14:hiddenLine xmlns="" xmlns:a14="http://schemas.microsoft.com/office/drawing/2010/main" w="9525">
                   <a:solidFill>
                     <a:srgbClr val="000000"/>
                   </a:solidFill>
@@ -1401,7 +1414,7 @@
             </a:ln>
             <a:extLst>
               <a:ext uri="{91240B29-F687-4f45-9708-019B960494DF}">
-                <a14:hiddenLine xmlns:a14="http://schemas.microsoft.com/office/drawing/2010/main" xmlns="" w="9525">
+                <a14:hiddenLine xmlns="" xmlns:a14="http://schemas.microsoft.com/office/drawing/2010/main" w="9525">
                   <a:solidFill>
                     <a:srgbClr val="000000"/>
                   </a:solidFill>
@@ -1463,7 +1476,7 @@
             </a:ln>
             <a:extLst>
               <a:ext uri="{91240B29-F687-4f45-9708-019B960494DF}">
-                <a14:hiddenLine xmlns:a14="http://schemas.microsoft.com/office/drawing/2010/main" xmlns="" w="9525">
+                <a14:hiddenLine xmlns="" xmlns:a14="http://schemas.microsoft.com/office/drawing/2010/main" w="9525">
                   <a:solidFill>
                     <a:srgbClr val="000000"/>
                   </a:solidFill>
@@ -1573,7 +1586,7 @@
             </a:ln>
             <a:extLst>
               <a:ext uri="{91240B29-F687-4f45-9708-019B960494DF}">
-                <a14:hiddenLine xmlns:a14="http://schemas.microsoft.com/office/drawing/2010/main" xmlns="" w="9525">
+                <a14:hiddenLine xmlns="" xmlns:a14="http://schemas.microsoft.com/office/drawing/2010/main" w="9525">
                   <a:solidFill>
                     <a:srgbClr val="000000"/>
                   </a:solidFill>
@@ -1635,7 +1648,7 @@
             </a:ln>
             <a:extLst>
               <a:ext uri="{91240B29-F687-4f45-9708-019B960494DF}">
-                <a14:hiddenLine xmlns:a14="http://schemas.microsoft.com/office/drawing/2010/main" xmlns="" w="9525">
+                <a14:hiddenLine xmlns="" xmlns:a14="http://schemas.microsoft.com/office/drawing/2010/main" w="9525">
                   <a:solidFill>
                     <a:srgbClr val="000000"/>
                   </a:solidFill>
@@ -1725,7 +1738,7 @@
             </a:ln>
             <a:extLst>
               <a:ext uri="{91240B29-F687-4f45-9708-019B960494DF}">
-                <a14:hiddenLine xmlns:a14="http://schemas.microsoft.com/office/drawing/2010/main" xmlns="" w="9525">
+                <a14:hiddenLine xmlns="" xmlns:a14="http://schemas.microsoft.com/office/drawing/2010/main" w="9525">
                   <a:solidFill>
                     <a:srgbClr val="000000"/>
                   </a:solidFill>
@@ -1815,7 +1828,7 @@
             </a:ln>
             <a:extLst>
               <a:ext uri="{91240B29-F687-4f45-9708-019B960494DF}">
-                <a14:hiddenLine xmlns:a14="http://schemas.microsoft.com/office/drawing/2010/main" xmlns="" w="9525">
+                <a14:hiddenLine xmlns="" xmlns:a14="http://schemas.microsoft.com/office/drawing/2010/main" w="9525">
                   <a:solidFill>
                     <a:srgbClr val="000000"/>
                   </a:solidFill>
@@ -1877,7 +1890,7 @@
             </a:ln>
             <a:extLst>
               <a:ext uri="{91240B29-F687-4f45-9708-019B960494DF}">
-                <a14:hiddenLine xmlns:a14="http://schemas.microsoft.com/office/drawing/2010/main" xmlns="" w="9525">
+                <a14:hiddenLine xmlns="" xmlns:a14="http://schemas.microsoft.com/office/drawing/2010/main" w="9525">
                   <a:solidFill>
                     <a:srgbClr val="000000"/>
                   </a:solidFill>
@@ -1967,7 +1980,7 @@
             </a:ln>
             <a:extLst>
               <a:ext uri="{91240B29-F687-4f45-9708-019B960494DF}">
-                <a14:hiddenLine xmlns:a14="http://schemas.microsoft.com/office/drawing/2010/main" xmlns="" w="9525">
+                <a14:hiddenLine xmlns="" xmlns:a14="http://schemas.microsoft.com/office/drawing/2010/main" w="9525">
                   <a:solidFill>
                     <a:srgbClr val="000000"/>
                   </a:solidFill>
@@ -2057,7 +2070,7 @@
             </a:ln>
             <a:extLst>
               <a:ext uri="{91240B29-F687-4f45-9708-019B960494DF}">
-                <a14:hiddenLine xmlns:a14="http://schemas.microsoft.com/office/drawing/2010/main" xmlns="" w="9525">
+                <a14:hiddenLine xmlns="" xmlns:a14="http://schemas.microsoft.com/office/drawing/2010/main" w="9525">
                   <a:solidFill>
                     <a:srgbClr val="000000"/>
                   </a:solidFill>
@@ -2113,7 +2126,7 @@
             </a:ln>
             <a:extLst>
               <a:ext uri="{91240B29-F687-4f45-9708-019B960494DF}">
-                <a14:hiddenLine xmlns:a14="http://schemas.microsoft.com/office/drawing/2010/main" xmlns="" w="9525">
+                <a14:hiddenLine xmlns="" xmlns:a14="http://schemas.microsoft.com/office/drawing/2010/main" w="9525">
                   <a:solidFill>
                     <a:srgbClr val="000000"/>
                   </a:solidFill>
@@ -2203,7 +2216,7 @@
             </a:ln>
             <a:extLst>
               <a:ext uri="{91240B29-F687-4f45-9708-019B960494DF}">
-                <a14:hiddenLine xmlns:a14="http://schemas.microsoft.com/office/drawing/2010/main" xmlns="" w="9525">
+                <a14:hiddenLine xmlns="" xmlns:a14="http://schemas.microsoft.com/office/drawing/2010/main" w="9525">
                   <a:solidFill>
                     <a:srgbClr val="000000"/>
                   </a:solidFill>
@@ -2259,7 +2272,7 @@
             </a:ln>
             <a:extLst>
               <a:ext uri="{91240B29-F687-4f45-9708-019B960494DF}">
-                <a14:hiddenLine xmlns:a14="http://schemas.microsoft.com/office/drawing/2010/main" xmlns="" w="9525">
+                <a14:hiddenLine xmlns="" xmlns:a14="http://schemas.microsoft.com/office/drawing/2010/main" w="9525">
                   <a:solidFill>
                     <a:srgbClr val="000000"/>
                   </a:solidFill>
@@ -2349,7 +2362,7 @@
             </a:ln>
             <a:extLst>
               <a:ext uri="{91240B29-F687-4f45-9708-019B960494DF}">
-                <a14:hiddenLine xmlns:a14="http://schemas.microsoft.com/office/drawing/2010/main" xmlns="" w="9525">
+                <a14:hiddenLine xmlns="" xmlns:a14="http://schemas.microsoft.com/office/drawing/2010/main" w="9525">
                   <a:solidFill>
                     <a:srgbClr val="000000"/>
                   </a:solidFill>
@@ -2417,7 +2430,7 @@
             </a:ln>
             <a:extLst>
               <a:ext uri="{91240B29-F687-4f45-9708-019B960494DF}">
-                <a14:hiddenLine xmlns:a14="http://schemas.microsoft.com/office/drawing/2010/main" xmlns="" w="9525">
+                <a14:hiddenLine xmlns="" xmlns:a14="http://schemas.microsoft.com/office/drawing/2010/main" w="9525">
                   <a:solidFill>
                     <a:srgbClr val="000000"/>
                   </a:solidFill>
@@ -2507,7 +2520,7 @@
             </a:ln>
             <a:extLst>
               <a:ext uri="{91240B29-F687-4f45-9708-019B960494DF}">
-                <a14:hiddenLine xmlns:a14="http://schemas.microsoft.com/office/drawing/2010/main" xmlns="" w="9525">
+                <a14:hiddenLine xmlns="" xmlns:a14="http://schemas.microsoft.com/office/drawing/2010/main" w="9525">
                   <a:solidFill>
                     <a:srgbClr val="000000"/>
                   </a:solidFill>
@@ -2575,7 +2588,7 @@
             </a:ln>
             <a:extLst>
               <a:ext uri="{91240B29-F687-4f45-9708-019B960494DF}">
-                <a14:hiddenLine xmlns:a14="http://schemas.microsoft.com/office/drawing/2010/main" xmlns="" w="9525">
+                <a14:hiddenLine xmlns="" xmlns:a14="http://schemas.microsoft.com/office/drawing/2010/main" w="9525">
                   <a:solidFill>
                     <a:srgbClr val="000000"/>
                   </a:solidFill>
@@ -2665,7 +2678,7 @@
             </a:ln>
             <a:extLst>
               <a:ext uri="{91240B29-F687-4f45-9708-019B960494DF}">
-                <a14:hiddenLine xmlns:a14="http://schemas.microsoft.com/office/drawing/2010/main" xmlns="" w="9525">
+                <a14:hiddenLine xmlns="" xmlns:a14="http://schemas.microsoft.com/office/drawing/2010/main" w="9525">
                   <a:solidFill>
                     <a:srgbClr val="000000"/>
                   </a:solidFill>
@@ -2699,7 +2712,7 @@
             </a:ln>
             <a:extLst>
               <a:ext uri="{91240B29-F687-4f45-9708-019B960494DF}">
-                <a14:hiddenLine xmlns:a14="http://schemas.microsoft.com/office/drawing/2010/main" xmlns="" w="9525">
+                <a14:hiddenLine xmlns="" xmlns:a14="http://schemas.microsoft.com/office/drawing/2010/main" w="9525">
                   <a:solidFill>
                     <a:srgbClr val="000000"/>
                   </a:solidFill>
@@ -2789,7 +2802,7 @@
             </a:ln>
             <a:extLst>
               <a:ext uri="{91240B29-F687-4f45-9708-019B960494DF}">
-                <a14:hiddenLine xmlns:a14="http://schemas.microsoft.com/office/drawing/2010/main" xmlns="" w="9525">
+                <a14:hiddenLine xmlns="" xmlns:a14="http://schemas.microsoft.com/office/drawing/2010/main" w="9525">
                   <a:solidFill>
                     <a:srgbClr val="000000"/>
                   </a:solidFill>
@@ -2851,7 +2864,7 @@
             </a:ln>
             <a:extLst>
               <a:ext uri="{91240B29-F687-4f45-9708-019B960494DF}">
-                <a14:hiddenLine xmlns:a14="http://schemas.microsoft.com/office/drawing/2010/main" xmlns="" w="9525">
+                <a14:hiddenLine xmlns="" xmlns:a14="http://schemas.microsoft.com/office/drawing/2010/main" w="9525">
                   <a:solidFill>
                     <a:srgbClr val="000000"/>
                   </a:solidFill>
@@ -2913,7 +2926,7 @@
             </a:ln>
             <a:extLst>
               <a:ext uri="{91240B29-F687-4f45-9708-019B960494DF}">
-                <a14:hiddenLine xmlns:a14="http://schemas.microsoft.com/office/drawing/2010/main" xmlns="" w="9525">
+                <a14:hiddenLine xmlns="" xmlns:a14="http://schemas.microsoft.com/office/drawing/2010/main" w="9525">
                   <a:solidFill>
                     <a:srgbClr val="000000"/>
                   </a:solidFill>
@@ -3003,7 +3016,7 @@
             </a:ln>
             <a:extLst>
               <a:ext uri="{91240B29-F687-4f45-9708-019B960494DF}">
-                <a14:hiddenLine xmlns:a14="http://schemas.microsoft.com/office/drawing/2010/main" xmlns="" w="9525">
+                <a14:hiddenLine xmlns="" xmlns:a14="http://schemas.microsoft.com/office/drawing/2010/main" w="9525">
                   <a:solidFill>
                     <a:srgbClr val="000000"/>
                   </a:solidFill>
@@ -3071,7 +3084,7 @@
             </a:ln>
             <a:extLst>
               <a:ext uri="{91240B29-F687-4f45-9708-019B960494DF}">
-                <a14:hiddenLine xmlns:a14="http://schemas.microsoft.com/office/drawing/2010/main" xmlns="" w="9525">
+                <a14:hiddenLine xmlns="" xmlns:a14="http://schemas.microsoft.com/office/drawing/2010/main" w="9525">
                   <a:solidFill>
                     <a:srgbClr val="000000"/>
                   </a:solidFill>
@@ -3133,7 +3146,7 @@
             </a:ln>
             <a:extLst>
               <a:ext uri="{91240B29-F687-4f45-9708-019B960494DF}">
-                <a14:hiddenLine xmlns:a14="http://schemas.microsoft.com/office/drawing/2010/main" xmlns="" w="9525">
+                <a14:hiddenLine xmlns="" xmlns:a14="http://schemas.microsoft.com/office/drawing/2010/main" w="9525">
                   <a:solidFill>
                     <a:srgbClr val="000000"/>
                   </a:solidFill>
@@ -3223,7 +3236,7 @@
             </a:ln>
             <a:extLst>
               <a:ext uri="{91240B29-F687-4f45-9708-019B960494DF}">
-                <a14:hiddenLine xmlns:a14="http://schemas.microsoft.com/office/drawing/2010/main" xmlns="" w="9525">
+                <a14:hiddenLine xmlns="" xmlns:a14="http://schemas.microsoft.com/office/drawing/2010/main" w="9525">
                   <a:solidFill>
                     <a:srgbClr val="000000"/>
                   </a:solidFill>
@@ -3285,7 +3298,7 @@
             </a:ln>
             <a:extLst>
               <a:ext uri="{91240B29-F687-4f45-9708-019B960494DF}">
-                <a14:hiddenLine xmlns:a14="http://schemas.microsoft.com/office/drawing/2010/main" xmlns="" w="9525">
+                <a14:hiddenLine xmlns="" xmlns:a14="http://schemas.microsoft.com/office/drawing/2010/main" w="9525">
                   <a:solidFill>
                     <a:srgbClr val="000000"/>
                   </a:solidFill>
@@ -3375,7 +3388,7 @@
             </a:ln>
             <a:extLst>
               <a:ext uri="{91240B29-F687-4f45-9708-019B960494DF}">
-                <a14:hiddenLine xmlns:a14="http://schemas.microsoft.com/office/drawing/2010/main" xmlns="" w="9525">
+                <a14:hiddenLine xmlns="" xmlns:a14="http://schemas.microsoft.com/office/drawing/2010/main" w="9525">
                   <a:solidFill>
                     <a:srgbClr val="000000"/>
                   </a:solidFill>
@@ -3437,7 +3450,7 @@
             </a:ln>
             <a:extLst>
               <a:ext uri="{91240B29-F687-4f45-9708-019B960494DF}">
-                <a14:hiddenLine xmlns:a14="http://schemas.microsoft.com/office/drawing/2010/main" xmlns="" w="9525">
+                <a14:hiddenLine xmlns="" xmlns:a14="http://schemas.microsoft.com/office/drawing/2010/main" w="9525">
                   <a:solidFill>
                     <a:srgbClr val="000000"/>
                   </a:solidFill>
@@ -3527,7 +3540,7 @@
             </a:ln>
             <a:extLst>
               <a:ext uri="{91240B29-F687-4f45-9708-019B960494DF}">
-                <a14:hiddenLine xmlns:a14="http://schemas.microsoft.com/office/drawing/2010/main" xmlns="" w="9525">
+                <a14:hiddenLine xmlns="" xmlns:a14="http://schemas.microsoft.com/office/drawing/2010/main" w="9525">
                   <a:solidFill>
                     <a:srgbClr val="000000"/>
                   </a:solidFill>
@@ -3561,7 +3574,7 @@
             </a:ln>
             <a:extLst>
               <a:ext uri="{91240B29-F687-4f45-9708-019B960494DF}">
-                <a14:hiddenLine xmlns:a14="http://schemas.microsoft.com/office/drawing/2010/main" xmlns="" w="9525">
+                <a14:hiddenLine xmlns="" xmlns:a14="http://schemas.microsoft.com/office/drawing/2010/main" w="9525">
                   <a:solidFill>
                     <a:srgbClr val="000000"/>
                   </a:solidFill>
@@ -3626,7 +3639,7 @@
             </a:ln>
             <a:extLst>
               <a:ext uri="{91240B29-F687-4f45-9708-019B960494DF}">
-                <a14:hiddenLine xmlns:a14="http://schemas.microsoft.com/office/drawing/2010/main" xmlns="" w="9525">
+                <a14:hiddenLine xmlns="" xmlns:a14="http://schemas.microsoft.com/office/drawing/2010/main" w="9525">
                   <a:solidFill>
                     <a:srgbClr val="000000"/>
                   </a:solidFill>
@@ -3716,7 +3729,7 @@
             </a:ln>
             <a:extLst>
               <a:ext uri="{91240B29-F687-4f45-9708-019B960494DF}">
-                <a14:hiddenLine xmlns:a14="http://schemas.microsoft.com/office/drawing/2010/main" xmlns="" w="9525">
+                <a14:hiddenLine xmlns="" xmlns:a14="http://schemas.microsoft.com/office/drawing/2010/main" w="9525">
                   <a:solidFill>
                     <a:srgbClr val="000000"/>
                   </a:solidFill>
@@ -3778,7 +3791,7 @@
             </a:ln>
             <a:extLst>
               <a:ext uri="{91240B29-F687-4f45-9708-019B960494DF}">
-                <a14:hiddenLine xmlns:a14="http://schemas.microsoft.com/office/drawing/2010/main" xmlns="" w="9525">
+                <a14:hiddenLine xmlns="" xmlns:a14="http://schemas.microsoft.com/office/drawing/2010/main" w="9525">
                   <a:solidFill>
                     <a:srgbClr val="000000"/>
                   </a:solidFill>
@@ -3868,7 +3881,7 @@
             </a:ln>
             <a:extLst>
               <a:ext uri="{91240B29-F687-4f45-9708-019B960494DF}">
-                <a14:hiddenLine xmlns:a14="http://schemas.microsoft.com/office/drawing/2010/main" xmlns="" w="9525">
+                <a14:hiddenLine xmlns="" xmlns:a14="http://schemas.microsoft.com/office/drawing/2010/main" w="9525">
                   <a:solidFill>
                     <a:srgbClr val="000000"/>
                   </a:solidFill>
@@ -3958,7 +3971,7 @@
             </a:ln>
             <a:extLst>
               <a:ext uri="{91240B29-F687-4f45-9708-019B960494DF}">
-                <a14:hiddenLine xmlns:a14="http://schemas.microsoft.com/office/drawing/2010/main" xmlns="" w="9525">
+                <a14:hiddenLine xmlns="" xmlns:a14="http://schemas.microsoft.com/office/drawing/2010/main" w="9525">
                   <a:solidFill>
                     <a:srgbClr val="000000"/>
                   </a:solidFill>
@@ -4023,7 +4036,7 @@
             </a:ln>
             <a:extLst>
               <a:ext uri="{91240B29-F687-4f45-9708-019B960494DF}">
-                <a14:hiddenLine xmlns:a14="http://schemas.microsoft.com/office/drawing/2010/main" xmlns="" w="9525">
+                <a14:hiddenLine xmlns="" xmlns:a14="http://schemas.microsoft.com/office/drawing/2010/main" w="9525">
                   <a:solidFill>
                     <a:srgbClr val="000000"/>
                   </a:solidFill>
@@ -4085,7 +4098,7 @@
             </a:ln>
             <a:extLst>
               <a:ext uri="{91240B29-F687-4f45-9708-019B960494DF}">
-                <a14:hiddenLine xmlns:a14="http://schemas.microsoft.com/office/drawing/2010/main" xmlns="" w="9525">
+                <a14:hiddenLine xmlns="" xmlns:a14="http://schemas.microsoft.com/office/drawing/2010/main" w="9525">
                   <a:solidFill>
                     <a:srgbClr val="000000"/>
                   </a:solidFill>
@@ -4175,7 +4188,7 @@
             </a:ln>
             <a:extLst>
               <a:ext uri="{91240B29-F687-4f45-9708-019B960494DF}">
-                <a14:hiddenLine xmlns:a14="http://schemas.microsoft.com/office/drawing/2010/main" xmlns="" w="9525">
+                <a14:hiddenLine xmlns="" xmlns:a14="http://schemas.microsoft.com/office/drawing/2010/main" w="9525">
                   <a:solidFill>
                     <a:srgbClr val="000000"/>
                   </a:solidFill>
@@ -4265,7 +4278,7 @@
             </a:ln>
             <a:extLst>
               <a:ext uri="{91240B29-F687-4f45-9708-019B960494DF}">
-                <a14:hiddenLine xmlns:a14="http://schemas.microsoft.com/office/drawing/2010/main" xmlns="" w="9525">
+                <a14:hiddenLine xmlns="" xmlns:a14="http://schemas.microsoft.com/office/drawing/2010/main" w="9525">
                   <a:solidFill>
                     <a:srgbClr val="000000"/>
                   </a:solidFill>
@@ -4327,7 +4340,7 @@
             </a:ln>
             <a:extLst>
               <a:ext uri="{91240B29-F687-4f45-9708-019B960494DF}">
-                <a14:hiddenLine xmlns:a14="http://schemas.microsoft.com/office/drawing/2010/main" xmlns="" w="9525">
+                <a14:hiddenLine xmlns="" xmlns:a14="http://schemas.microsoft.com/office/drawing/2010/main" w="9525">
                   <a:solidFill>
                     <a:srgbClr val="000000"/>
                   </a:solidFill>
@@ -4447,7 +4460,7 @@
             </a:ln>
             <a:extLst>
               <a:ext uri="{91240B29-F687-4f45-9708-019B960494DF}">
-                <a14:hiddenLine xmlns:a14="http://schemas.microsoft.com/office/drawing/2010/main" xmlns="" w="9525">
+                <a14:hiddenLine xmlns="" xmlns:a14="http://schemas.microsoft.com/office/drawing/2010/main" w="9525">
                   <a:solidFill>
                     <a:srgbClr val="000000"/>
                   </a:solidFill>
@@ -4515,7 +4528,7 @@
             </a:ln>
             <a:extLst>
               <a:ext uri="{91240B29-F687-4f45-9708-019B960494DF}">
-                <a14:hiddenLine xmlns:a14="http://schemas.microsoft.com/office/drawing/2010/main" xmlns="" w="9525">
+                <a14:hiddenLine xmlns="" xmlns:a14="http://schemas.microsoft.com/office/drawing/2010/main" w="9525">
                   <a:solidFill>
                     <a:srgbClr val="000000"/>
                   </a:solidFill>
@@ -4605,7 +4618,7 @@
             </a:ln>
             <a:extLst>
               <a:ext uri="{91240B29-F687-4f45-9708-019B960494DF}">
-                <a14:hiddenLine xmlns:a14="http://schemas.microsoft.com/office/drawing/2010/main" xmlns="" w="9525">
+                <a14:hiddenLine xmlns="" xmlns:a14="http://schemas.microsoft.com/office/drawing/2010/main" w="9525">
                   <a:solidFill>
                     <a:srgbClr val="000000"/>
                   </a:solidFill>
@@ -4745,7 +4758,7 @@
           <a:p>
             <a:fld id="{93AEC9F3-C7BF-4FDE-8F69-3B04FA8DB724}" type="datetime1">
               <a:rPr lang="en-CA" smtClean="0"/>
-              <a:t>2024-11-06</a:t>
+              <a:t>2024-11-07</a:t>
             </a:fld>
             <a:endParaRPr lang="en-CA"/>
           </a:p>
@@ -5012,7 +5025,7 @@
           <a:p>
             <a:fld id="{E40BFB24-DE15-4CA3-9CB6-BAAB61CA20AA}" type="datetime1">
               <a:rPr lang="en-CA" smtClean="0"/>
-              <a:t>2024-11-06</a:t>
+              <a:t>2024-11-07</a:t>
             </a:fld>
             <a:endParaRPr lang="en-CA"/>
           </a:p>
@@ -5208,7 +5221,7 @@
           <a:p>
             <a:fld id="{C7F2D45D-F566-455E-9A69-EAD5F1F9E9C3}" type="datetime1">
               <a:rPr lang="en-CA" smtClean="0"/>
-              <a:t>2024-11-06</a:t>
+              <a:t>2024-11-07</a:t>
             </a:fld>
             <a:endParaRPr lang="en-CA"/>
           </a:p>
@@ -5471,7 +5484,7 @@
           <a:p>
             <a:fld id="{04FDF972-B90E-4DA2-8CCF-A726C92FDA8A}" type="datetime1">
               <a:rPr lang="en-CA" smtClean="0"/>
-              <a:t>2024-11-06</a:t>
+              <a:t>2024-11-07</a:t>
             </a:fld>
             <a:endParaRPr lang="en-CA"/>
           </a:p>
@@ -5905,7 +5918,7 @@
           <a:p>
             <a:fld id="{018697CA-5908-47A1-9142-E1E62DFAE6F3}" type="datetime1">
               <a:rPr lang="en-CA" smtClean="0"/>
-              <a:t>2024-11-06</a:t>
+              <a:t>2024-11-07</a:t>
             </a:fld>
             <a:endParaRPr lang="en-CA"/>
           </a:p>
@@ -6451,7 +6464,7 @@
           <a:p>
             <a:fld id="{75F34475-F789-48F2-A4DB-5AE64D07F94C}" type="datetime1">
               <a:rPr lang="en-CA" smtClean="0"/>
-              <a:t>2024-11-06</a:t>
+              <a:t>2024-11-07</a:t>
             </a:fld>
             <a:endParaRPr lang="en-CA"/>
           </a:p>
@@ -7171,7 +7184,7 @@
           <a:p>
             <a:fld id="{E891DDEE-91CF-434A-898B-99879E7788E9}" type="datetime1">
               <a:rPr lang="en-CA" smtClean="0"/>
-              <a:t>2024-11-06</a:t>
+              <a:t>2024-11-07</a:t>
             </a:fld>
             <a:endParaRPr lang="en-CA"/>
           </a:p>
@@ -7341,7 +7354,7 @@
           <a:p>
             <a:fld id="{F09766C7-B3F3-476D-B530-E5F62C570946}" type="datetime1">
               <a:rPr lang="en-CA" smtClean="0"/>
-              <a:t>2024-11-06</a:t>
+              <a:t>2024-11-07</a:t>
             </a:fld>
             <a:endParaRPr lang="en-CA"/>
           </a:p>
@@ -7521,7 +7534,7 @@
           <a:p>
             <a:fld id="{4B0DFBDE-CC32-4F83-B2F8-A7697FFC6E4E}" type="datetime1">
               <a:rPr lang="en-CA" smtClean="0"/>
-              <a:t>2024-11-06</a:t>
+              <a:t>2024-11-07</a:t>
             </a:fld>
             <a:endParaRPr lang="en-CA"/>
           </a:p>
@@ -7691,7 +7704,7 @@
           <a:p>
             <a:fld id="{D88E7814-19D6-4C03-BC16-1B2D0A0A50A3}" type="datetime1">
               <a:rPr lang="en-CA" smtClean="0"/>
-              <a:t>2024-11-06</a:t>
+              <a:t>2024-11-07</a:t>
             </a:fld>
             <a:endParaRPr lang="en-CA"/>
           </a:p>
@@ -7941,7 +7954,7 @@
           <a:p>
             <a:fld id="{35FA858B-980B-4579-86CC-78639C152457}" type="datetime1">
               <a:rPr lang="en-CA" smtClean="0"/>
-              <a:t>2024-11-06</a:t>
+              <a:t>2024-11-07</a:t>
             </a:fld>
             <a:endParaRPr lang="en-CA"/>
           </a:p>
@@ -8173,7 +8186,7 @@
           <a:p>
             <a:fld id="{6D777976-38E6-4624-AB92-EE4F001DCFE5}" type="datetime1">
               <a:rPr lang="en-CA" smtClean="0"/>
-              <a:t>2024-11-06</a:t>
+              <a:t>2024-11-07</a:t>
             </a:fld>
             <a:endParaRPr lang="en-CA"/>
           </a:p>
@@ -8554,7 +8567,7 @@
           <a:p>
             <a:fld id="{76D38EB5-7969-409B-961A-F0FD3526694D}" type="datetime1">
               <a:rPr lang="en-CA" smtClean="0"/>
-              <a:t>2024-11-06</a:t>
+              <a:t>2024-11-07</a:t>
             </a:fld>
             <a:endParaRPr lang="en-CA"/>
           </a:p>
@@ -8672,7 +8685,7 @@
           <a:p>
             <a:fld id="{B48971F6-C792-4DA7-810E-601B817CCDFC}" type="datetime1">
               <a:rPr lang="en-CA" smtClean="0"/>
-              <a:t>2024-11-06</a:t>
+              <a:t>2024-11-07</a:t>
             </a:fld>
             <a:endParaRPr lang="en-CA"/>
           </a:p>
@@ -8767,7 +8780,7 @@
           <a:p>
             <a:fld id="{B980FDD5-4151-46A4-A950-3AD0CFBF165A}" type="datetime1">
               <a:rPr lang="en-CA" smtClean="0"/>
-              <a:t>2024-11-06</a:t>
+              <a:t>2024-11-07</a:t>
             </a:fld>
             <a:endParaRPr lang="en-CA"/>
           </a:p>
@@ -9016,7 +9029,7 @@
           <a:p>
             <a:fld id="{420F2DB9-FB3D-4678-A7D3-1F160DA2428D}" type="datetime1">
               <a:rPr lang="en-CA" smtClean="0"/>
-              <a:t>2024-11-06</a:t>
+              <a:t>2024-11-07</a:t>
             </a:fld>
             <a:endParaRPr lang="en-CA"/>
           </a:p>
@@ -9296,7 +9309,7 @@
           <a:p>
             <a:fld id="{7A8F51BE-AB4C-4113-A271-7B55BC820BFD}" type="datetime1">
               <a:rPr lang="en-CA" smtClean="0"/>
-              <a:t>2024-11-06</a:t>
+              <a:t>2024-11-07</a:t>
             </a:fld>
             <a:endParaRPr lang="en-CA"/>
           </a:p>
@@ -9412,7 +9425,7 @@
           <a:noFill/>
           <a:extLst>
             <a:ext uri="{909E8E84-426E-40dd-AFC4-6F175D3DCCD1}">
-              <a14:hiddenFill xmlns:a14="http://schemas.microsoft.com/office/drawing/2010/main" xmlns="">
+              <a14:hiddenFill xmlns="" xmlns:a14="http://schemas.microsoft.com/office/drawing/2010/main">
                 <a:solidFill>
                   <a:srgbClr val="FFFFFF"/>
                 </a:solidFill>
@@ -9486,7 +9499,7 @@
               </a:ln>
               <a:extLst>
                 <a:ext uri="{91240B29-F687-4f45-9708-019B960494DF}">
-                  <a14:hiddenLine xmlns:a14="http://schemas.microsoft.com/office/drawing/2010/main" xmlns="" w="9525">
+                  <a14:hiddenLine xmlns="" xmlns:a14="http://schemas.microsoft.com/office/drawing/2010/main" w="9525">
                     <a:solidFill>
                       <a:srgbClr val="000000"/>
                     </a:solidFill>
@@ -9576,7 +9589,7 @@
               </a:ln>
               <a:extLst>
                 <a:ext uri="{91240B29-F687-4f45-9708-019B960494DF}">
-                  <a14:hiddenLine xmlns:a14="http://schemas.microsoft.com/office/drawing/2010/main" xmlns="" w="9525">
+                  <a14:hiddenLine xmlns="" xmlns:a14="http://schemas.microsoft.com/office/drawing/2010/main" w="9525">
                     <a:solidFill>
                       <a:srgbClr val="000000"/>
                     </a:solidFill>
@@ -9666,7 +9679,7 @@
               </a:ln>
               <a:extLst>
                 <a:ext uri="{91240B29-F687-4f45-9708-019B960494DF}">
-                  <a14:hiddenLine xmlns:a14="http://schemas.microsoft.com/office/drawing/2010/main" xmlns="" w="9525">
+                  <a14:hiddenLine xmlns="" xmlns:a14="http://schemas.microsoft.com/office/drawing/2010/main" w="9525">
                     <a:solidFill>
                       <a:srgbClr val="000000"/>
                     </a:solidFill>
@@ -9728,7 +9741,7 @@
               </a:ln>
               <a:extLst>
                 <a:ext uri="{91240B29-F687-4f45-9708-019B960494DF}">
-                  <a14:hiddenLine xmlns:a14="http://schemas.microsoft.com/office/drawing/2010/main" xmlns="" w="9525">
+                  <a14:hiddenLine xmlns="" xmlns:a14="http://schemas.microsoft.com/office/drawing/2010/main" w="9525">
                     <a:solidFill>
                       <a:srgbClr val="000000"/>
                     </a:solidFill>
@@ -9818,7 +9831,7 @@
               </a:ln>
               <a:extLst>
                 <a:ext uri="{91240B29-F687-4f45-9708-019B960494DF}">
-                  <a14:hiddenLine xmlns:a14="http://schemas.microsoft.com/office/drawing/2010/main" xmlns="" w="9525">
+                  <a14:hiddenLine xmlns="" xmlns:a14="http://schemas.microsoft.com/office/drawing/2010/main" w="9525">
                     <a:solidFill>
                       <a:srgbClr val="000000"/>
                     </a:solidFill>
@@ -9880,7 +9893,7 @@
               </a:ln>
               <a:extLst>
                 <a:ext uri="{91240B29-F687-4f45-9708-019B960494DF}">
-                  <a14:hiddenLine xmlns:a14="http://schemas.microsoft.com/office/drawing/2010/main" xmlns="" w="9525">
+                  <a14:hiddenLine xmlns="" xmlns:a14="http://schemas.microsoft.com/office/drawing/2010/main" w="9525">
                     <a:solidFill>
                       <a:srgbClr val="000000"/>
                     </a:solidFill>
@@ -9942,7 +9955,7 @@
               </a:ln>
               <a:extLst>
                 <a:ext uri="{91240B29-F687-4f45-9708-019B960494DF}">
-                  <a14:hiddenLine xmlns:a14="http://schemas.microsoft.com/office/drawing/2010/main" xmlns="" w="9525">
+                  <a14:hiddenLine xmlns="" xmlns:a14="http://schemas.microsoft.com/office/drawing/2010/main" w="9525">
                     <a:solidFill>
                       <a:srgbClr val="000000"/>
                     </a:solidFill>
@@ -10032,7 +10045,7 @@
               </a:ln>
               <a:extLst>
                 <a:ext uri="{91240B29-F687-4f45-9708-019B960494DF}">
-                  <a14:hiddenLine xmlns:a14="http://schemas.microsoft.com/office/drawing/2010/main" xmlns="" w="9525">
+                  <a14:hiddenLine xmlns="" xmlns:a14="http://schemas.microsoft.com/office/drawing/2010/main" w="9525">
                     <a:solidFill>
                       <a:srgbClr val="000000"/>
                     </a:solidFill>
@@ -10122,7 +10135,7 @@
               </a:ln>
               <a:extLst>
                 <a:ext uri="{91240B29-F687-4f45-9708-019B960494DF}">
-                  <a14:hiddenLine xmlns:a14="http://schemas.microsoft.com/office/drawing/2010/main" xmlns="" w="9525">
+                  <a14:hiddenLine xmlns="" xmlns:a14="http://schemas.microsoft.com/office/drawing/2010/main" w="9525">
                     <a:solidFill>
                       <a:srgbClr val="000000"/>
                     </a:solidFill>
@@ -10184,7 +10197,7 @@
               </a:ln>
               <a:extLst>
                 <a:ext uri="{91240B29-F687-4f45-9708-019B960494DF}">
-                  <a14:hiddenLine xmlns:a14="http://schemas.microsoft.com/office/drawing/2010/main" xmlns="" w="9525">
+                  <a14:hiddenLine xmlns="" xmlns:a14="http://schemas.microsoft.com/office/drawing/2010/main" w="9525">
                     <a:solidFill>
                       <a:srgbClr val="000000"/>
                     </a:solidFill>
@@ -10294,7 +10307,7 @@
               </a:ln>
               <a:extLst>
                 <a:ext uri="{91240B29-F687-4f45-9708-019B960494DF}">
-                  <a14:hiddenLine xmlns:a14="http://schemas.microsoft.com/office/drawing/2010/main" xmlns="" w="9525">
+                  <a14:hiddenLine xmlns="" xmlns:a14="http://schemas.microsoft.com/office/drawing/2010/main" w="9525">
                     <a:solidFill>
                       <a:srgbClr val="000000"/>
                     </a:solidFill>
@@ -10378,7 +10391,7 @@
               </a:ln>
               <a:extLst>
                 <a:ext uri="{91240B29-F687-4f45-9708-019B960494DF}">
-                  <a14:hiddenLine xmlns:a14="http://schemas.microsoft.com/office/drawing/2010/main" xmlns="" w="9525">
+                  <a14:hiddenLine xmlns="" xmlns:a14="http://schemas.microsoft.com/office/drawing/2010/main" w="9525">
                     <a:solidFill>
                       <a:srgbClr val="000000"/>
                     </a:solidFill>
@@ -10440,7 +10453,7 @@
               </a:ln>
               <a:extLst>
                 <a:ext uri="{91240B29-F687-4f45-9708-019B960494DF}">
-                  <a14:hiddenLine xmlns:a14="http://schemas.microsoft.com/office/drawing/2010/main" xmlns="" w="9525">
+                  <a14:hiddenLine xmlns="" xmlns:a14="http://schemas.microsoft.com/office/drawing/2010/main" w="9525">
                     <a:solidFill>
                       <a:srgbClr val="000000"/>
                     </a:solidFill>
@@ -10502,7 +10515,7 @@
               </a:ln>
               <a:extLst>
                 <a:ext uri="{91240B29-F687-4f45-9708-019B960494DF}">
-                  <a14:hiddenLine xmlns:a14="http://schemas.microsoft.com/office/drawing/2010/main" xmlns="" w="9525">
+                  <a14:hiddenLine xmlns="" xmlns:a14="http://schemas.microsoft.com/office/drawing/2010/main" w="9525">
                     <a:solidFill>
                       <a:srgbClr val="000000"/>
                     </a:solidFill>
@@ -10592,7 +10605,7 @@
               </a:ln>
               <a:extLst>
                 <a:ext uri="{91240B29-F687-4f45-9708-019B960494DF}">
-                  <a14:hiddenLine xmlns:a14="http://schemas.microsoft.com/office/drawing/2010/main" xmlns="" w="9525">
+                  <a14:hiddenLine xmlns="" xmlns:a14="http://schemas.microsoft.com/office/drawing/2010/main" w="9525">
                     <a:solidFill>
                       <a:srgbClr val="000000"/>
                     </a:solidFill>
@@ -10626,7 +10639,7 @@
               </a:ln>
               <a:extLst>
                 <a:ext uri="{91240B29-F687-4f45-9708-019B960494DF}">
-                  <a14:hiddenLine xmlns:a14="http://schemas.microsoft.com/office/drawing/2010/main" xmlns="" w="9525">
+                  <a14:hiddenLine xmlns="" xmlns:a14="http://schemas.microsoft.com/office/drawing/2010/main" w="9525">
                     <a:solidFill>
                       <a:srgbClr val="000000"/>
                     </a:solidFill>
@@ -10691,7 +10704,7 @@
               </a:ln>
               <a:extLst>
                 <a:ext uri="{91240B29-F687-4f45-9708-019B960494DF}">
-                  <a14:hiddenLine xmlns:a14="http://schemas.microsoft.com/office/drawing/2010/main" xmlns="" w="9525">
+                  <a14:hiddenLine xmlns="" xmlns:a14="http://schemas.microsoft.com/office/drawing/2010/main" w="9525">
                     <a:solidFill>
                       <a:srgbClr val="000000"/>
                     </a:solidFill>
@@ -10781,7 +10794,7 @@
               </a:ln>
               <a:extLst>
                 <a:ext uri="{91240B29-F687-4f45-9708-019B960494DF}">
-                  <a14:hiddenLine xmlns:a14="http://schemas.microsoft.com/office/drawing/2010/main" xmlns="" w="9525">
+                  <a14:hiddenLine xmlns="" xmlns:a14="http://schemas.microsoft.com/office/drawing/2010/main" w="9525">
                     <a:solidFill>
                       <a:srgbClr val="000000"/>
                     </a:solidFill>
@@ -10843,7 +10856,7 @@
               </a:ln>
               <a:extLst>
                 <a:ext uri="{91240B29-F687-4f45-9708-019B960494DF}">
-                  <a14:hiddenLine xmlns:a14="http://schemas.microsoft.com/office/drawing/2010/main" xmlns="" w="9525">
+                  <a14:hiddenLine xmlns="" xmlns:a14="http://schemas.microsoft.com/office/drawing/2010/main" w="9525">
                     <a:solidFill>
                       <a:srgbClr val="000000"/>
                     </a:solidFill>
@@ -10933,7 +10946,7 @@
               </a:ln>
               <a:extLst>
                 <a:ext uri="{91240B29-F687-4f45-9708-019B960494DF}">
-                  <a14:hiddenLine xmlns:a14="http://schemas.microsoft.com/office/drawing/2010/main" xmlns="" w="9525">
+                  <a14:hiddenLine xmlns="" xmlns:a14="http://schemas.microsoft.com/office/drawing/2010/main" w="9525">
                     <a:solidFill>
                       <a:srgbClr val="000000"/>
                     </a:solidFill>
@@ -10998,7 +11011,7 @@
               </a:ln>
               <a:extLst>
                 <a:ext uri="{91240B29-F687-4f45-9708-019B960494DF}">
-                  <a14:hiddenLine xmlns:a14="http://schemas.microsoft.com/office/drawing/2010/main" xmlns="" w="9525">
+                  <a14:hiddenLine xmlns="" xmlns:a14="http://schemas.microsoft.com/office/drawing/2010/main" w="9525">
                     <a:solidFill>
                       <a:srgbClr val="000000"/>
                     </a:solidFill>
@@ -11060,7 +11073,7 @@
               </a:ln>
               <a:extLst>
                 <a:ext uri="{91240B29-F687-4f45-9708-019B960494DF}">
-                  <a14:hiddenLine xmlns:a14="http://schemas.microsoft.com/office/drawing/2010/main" xmlns="" w="9525">
+                  <a14:hiddenLine xmlns="" xmlns:a14="http://schemas.microsoft.com/office/drawing/2010/main" w="9525">
                     <a:solidFill>
                       <a:srgbClr val="000000"/>
                     </a:solidFill>
@@ -11150,7 +11163,7 @@
               </a:ln>
               <a:extLst>
                 <a:ext uri="{91240B29-F687-4f45-9708-019B960494DF}">
-                  <a14:hiddenLine xmlns:a14="http://schemas.microsoft.com/office/drawing/2010/main" xmlns="" w="9525">
+                  <a14:hiddenLine xmlns="" xmlns:a14="http://schemas.microsoft.com/office/drawing/2010/main" w="9525">
                     <a:solidFill>
                       <a:srgbClr val="000000"/>
                     </a:solidFill>
@@ -11240,7 +11253,7 @@
               </a:ln>
               <a:extLst>
                 <a:ext uri="{91240B29-F687-4f45-9708-019B960494DF}">
-                  <a14:hiddenLine xmlns:a14="http://schemas.microsoft.com/office/drawing/2010/main" xmlns="" w="9525">
+                  <a14:hiddenLine xmlns="" xmlns:a14="http://schemas.microsoft.com/office/drawing/2010/main" w="9525">
                     <a:solidFill>
                       <a:srgbClr val="000000"/>
                     </a:solidFill>
@@ -11305,7 +11318,7 @@
               </a:ln>
               <a:extLst>
                 <a:ext uri="{91240B29-F687-4f45-9708-019B960494DF}">
-                  <a14:hiddenLine xmlns:a14="http://schemas.microsoft.com/office/drawing/2010/main" xmlns="" w="9525">
+                  <a14:hiddenLine xmlns="" xmlns:a14="http://schemas.microsoft.com/office/drawing/2010/main" w="9525">
                     <a:solidFill>
                       <a:srgbClr val="000000"/>
                     </a:solidFill>
@@ -11425,7 +11438,7 @@
               </a:ln>
               <a:extLst>
                 <a:ext uri="{91240B29-F687-4f45-9708-019B960494DF}">
-                  <a14:hiddenLine xmlns:a14="http://schemas.microsoft.com/office/drawing/2010/main" xmlns="" w="9525">
+                  <a14:hiddenLine xmlns="" xmlns:a14="http://schemas.microsoft.com/office/drawing/2010/main" w="9525">
                     <a:solidFill>
                       <a:srgbClr val="000000"/>
                     </a:solidFill>
@@ -11523,7 +11536,7 @@
               </a:ln>
               <a:extLst>
                 <a:ext uri="{91240B29-F687-4f45-9708-019B960494DF}">
-                  <a14:hiddenLine xmlns:a14="http://schemas.microsoft.com/office/drawing/2010/main" xmlns="" w="9525">
+                  <a14:hiddenLine xmlns="" xmlns:a14="http://schemas.microsoft.com/office/drawing/2010/main" w="9525">
                     <a:solidFill>
                       <a:srgbClr val="000000"/>
                     </a:solidFill>
@@ -11638,7 +11651,7 @@
               </a:ln>
               <a:extLst>
                 <a:ext uri="{91240B29-F687-4f45-9708-019B960494DF}">
-                  <a14:hiddenLine xmlns:a14="http://schemas.microsoft.com/office/drawing/2010/main" xmlns="" w="9525">
+                  <a14:hiddenLine xmlns="" xmlns:a14="http://schemas.microsoft.com/office/drawing/2010/main" w="9525">
                     <a:solidFill>
                       <a:srgbClr val="000000"/>
                     </a:solidFill>
@@ -11728,7 +11741,7 @@
               </a:ln>
               <a:extLst>
                 <a:ext uri="{91240B29-F687-4f45-9708-019B960494DF}">
-                  <a14:hiddenLine xmlns:a14="http://schemas.microsoft.com/office/drawing/2010/main" xmlns="" w="9525">
+                  <a14:hiddenLine xmlns="" xmlns:a14="http://schemas.microsoft.com/office/drawing/2010/main" w="9525">
                     <a:solidFill>
                       <a:srgbClr val="000000"/>
                     </a:solidFill>
@@ -11793,7 +11806,7 @@
               </a:ln>
               <a:extLst>
                 <a:ext uri="{91240B29-F687-4f45-9708-019B960494DF}">
-                  <a14:hiddenLine xmlns:a14="http://schemas.microsoft.com/office/drawing/2010/main" xmlns="" w="9525">
+                  <a14:hiddenLine xmlns="" xmlns:a14="http://schemas.microsoft.com/office/drawing/2010/main" w="9525">
                     <a:solidFill>
                       <a:srgbClr val="000000"/>
                     </a:solidFill>
@@ -11883,7 +11896,7 @@
               </a:ln>
               <a:extLst>
                 <a:ext uri="{91240B29-F687-4f45-9708-019B960494DF}">
-                  <a14:hiddenLine xmlns:a14="http://schemas.microsoft.com/office/drawing/2010/main" xmlns="" w="9525">
+                  <a14:hiddenLine xmlns="" xmlns:a14="http://schemas.microsoft.com/office/drawing/2010/main" w="9525">
                     <a:solidFill>
                       <a:srgbClr val="000000"/>
                     </a:solidFill>
@@ -11951,7 +11964,7 @@
               </a:ln>
               <a:extLst>
                 <a:ext uri="{91240B29-F687-4f45-9708-019B960494DF}">
-                  <a14:hiddenLine xmlns:a14="http://schemas.microsoft.com/office/drawing/2010/main" xmlns="" w="9525">
+                  <a14:hiddenLine xmlns="" xmlns:a14="http://schemas.microsoft.com/office/drawing/2010/main" w="9525">
                     <a:solidFill>
                       <a:srgbClr val="000000"/>
                     </a:solidFill>
@@ -12041,7 +12054,7 @@
               </a:ln>
               <a:extLst>
                 <a:ext uri="{91240B29-F687-4f45-9708-019B960494DF}">
-                  <a14:hiddenLine xmlns:a14="http://schemas.microsoft.com/office/drawing/2010/main" xmlns="" w="9525">
+                  <a14:hiddenLine xmlns="" xmlns:a14="http://schemas.microsoft.com/office/drawing/2010/main" w="9525">
                     <a:solidFill>
                       <a:srgbClr val="000000"/>
                     </a:solidFill>
@@ -12109,7 +12122,7 @@
               </a:ln>
               <a:extLst>
                 <a:ext uri="{91240B29-F687-4f45-9708-019B960494DF}">
-                  <a14:hiddenLine xmlns:a14="http://schemas.microsoft.com/office/drawing/2010/main" xmlns="" w="9525">
+                  <a14:hiddenLine xmlns="" xmlns:a14="http://schemas.microsoft.com/office/drawing/2010/main" w="9525">
                     <a:solidFill>
                       <a:srgbClr val="000000"/>
                     </a:solidFill>
@@ -12199,7 +12212,7 @@
               </a:ln>
               <a:extLst>
                 <a:ext uri="{91240B29-F687-4f45-9708-019B960494DF}">
-                  <a14:hiddenLine xmlns:a14="http://schemas.microsoft.com/office/drawing/2010/main" xmlns="" w="9525">
+                  <a14:hiddenLine xmlns="" xmlns:a14="http://schemas.microsoft.com/office/drawing/2010/main" w="9525">
                     <a:solidFill>
                       <a:srgbClr val="000000"/>
                     </a:solidFill>
@@ -12233,7 +12246,7 @@
               </a:ln>
               <a:extLst>
                 <a:ext uri="{91240B29-F687-4f45-9708-019B960494DF}">
-                  <a14:hiddenLine xmlns:a14="http://schemas.microsoft.com/office/drawing/2010/main" xmlns="" w="9525">
+                  <a14:hiddenLine xmlns="" xmlns:a14="http://schemas.microsoft.com/office/drawing/2010/main" w="9525">
                     <a:solidFill>
                       <a:srgbClr val="000000"/>
                     </a:solidFill>
@@ -12373,7 +12386,7 @@
           <a:p>
             <a:fld id="{1E3C8EF9-110C-4EBE-8F8C-EC8DE51C5903}" type="datetime1">
               <a:rPr lang="en-CA" smtClean="0"/>
-              <a:t>2024-11-06</a:t>
+              <a:t>2024-11-07</a:t>
             </a:fld>
             <a:endParaRPr lang="en-CA"/>
           </a:p>
@@ -12950,37 +12963,12 @@
           <a:chExt cx="0" cy="0"/>
         </a:xfrm>
       </p:grpSpPr>
-      <p:sp>
-        <p:nvSpPr>
-          <p:cNvPr id="2" name="Titre 1">
-            <a:extLst>
-              <a:ext uri="{FF2B5EF4-FFF2-40B4-BE49-F238E27FC236}">
-                <a16:creationId xmlns:a16="http://schemas.microsoft.com/office/drawing/2014/main" id="{F36555CB-E99B-4A1A-CAF2-40081942AD31}"/>
-              </a:ext>
-            </a:extLst>
-          </p:cNvPr>
-          <p:cNvSpPr>
-            <a:spLocks noGrp="1"/>
-          </p:cNvSpPr>
-          <p:nvPr>
-            <p:ph type="title"/>
-          </p:nvPr>
-        </p:nvSpPr>
-        <p:spPr/>
-        <p:txBody>
-          <a:bodyPr/>
-          <a:lstStyle/>
-          <a:p>
-            <a:endParaRPr lang="en-CA" dirty="0"/>
-          </a:p>
-        </p:txBody>
-      </p:sp>
       <p:pic>
         <p:nvPicPr>
           <p:cNvPr id="6" name="Espace réservé du contenu 5">
             <a:extLst>
               <a:ext uri="{FF2B5EF4-FFF2-40B4-BE49-F238E27FC236}">
-                <a16:creationId xmlns:a16="http://schemas.microsoft.com/office/drawing/2014/main" id="{79AFF03E-9A85-6128-2420-672FA218663B}"/>
+                <a16:creationId xmlns:a16="http://schemas.microsoft.com/office/drawing/2014/main" id="{9E0AD364-B58C-1F45-9251-5BC89414DA36}"/>
               </a:ext>
             </a:extLst>
           </p:cNvPr>
@@ -12999,14 +12987,13 @@
               </a:ext>
             </a:extLst>
           </a:blip>
-          <a:stretch>
-            <a:fillRect/>
-          </a:stretch>
+          <a:srcRect t="6602" r="454" b="3368"/>
+          <a:stretch/>
         </p:blipFill>
         <p:spPr>
           <a:xfrm>
-            <a:off x="151220" y="3191535"/>
-            <a:ext cx="3765275" cy="3541712"/>
+            <a:off x="1434292" y="1645718"/>
+            <a:ext cx="9051811" cy="4602681"/>
           </a:xfrm>
         </p:spPr>
       </p:pic>
@@ -13015,7 +13002,7 @@
           <p:cNvPr id="4" name="Espace réservé du numéro de diapositive 3">
             <a:extLst>
               <a:ext uri="{FF2B5EF4-FFF2-40B4-BE49-F238E27FC236}">
-                <a16:creationId xmlns:a16="http://schemas.microsoft.com/office/drawing/2014/main" id="{42723463-2D2E-8683-D64A-BFE8639A07A1}"/>
+                <a16:creationId xmlns:a16="http://schemas.microsoft.com/office/drawing/2014/main" id="{4691F7C2-37EF-A7D3-E62D-2B39BE0FFB4A}"/>
               </a:ext>
             </a:extLst>
           </p:cNvPr>
@@ -13039,10 +13026,2401 @@
           </a:p>
         </p:txBody>
       </p:sp>
+      <p:pic>
+        <p:nvPicPr>
+          <p:cNvPr id="7" name="Espace réservé du contenu 6">
+            <a:extLst>
+              <a:ext uri="{FF2B5EF4-FFF2-40B4-BE49-F238E27FC236}">
+                <a16:creationId xmlns:a16="http://schemas.microsoft.com/office/drawing/2014/main" id="{5F56D57A-D5D1-0EBE-B1D8-81E0C8ACD5BB}"/>
+              </a:ext>
+            </a:extLst>
+          </p:cNvPr>
+          <p:cNvPicPr>
+            <a:picLocks noChangeAspect="1"/>
+          </p:cNvPicPr>
+          <p:nvPr/>
+        </p:nvPicPr>
+        <p:blipFill>
+          <a:blip r:embed="rId3">
+            <a:extLst>
+              <a:ext uri="{28A0092B-C50C-407E-A947-70E740481C1C}">
+                <a14:useLocalDpi xmlns:a14="http://schemas.microsoft.com/office/drawing/2010/main" val="0"/>
+              </a:ext>
+            </a:extLst>
+          </a:blip>
+          <a:stretch>
+            <a:fillRect/>
+          </a:stretch>
+        </p:blipFill>
+        <p:spPr>
+          <a:xfrm>
+            <a:off x="7107561" y="121127"/>
+            <a:ext cx="1118738" cy="1118738"/>
+          </a:xfrm>
+          <a:prstGeom prst="rect">
+            <a:avLst/>
+          </a:prstGeom>
+        </p:spPr>
+      </p:pic>
+      <p:sp>
+        <p:nvSpPr>
+          <p:cNvPr id="8" name="Titre 1">
+            <a:extLst>
+              <a:ext uri="{FF2B5EF4-FFF2-40B4-BE49-F238E27FC236}">
+                <a16:creationId xmlns:a16="http://schemas.microsoft.com/office/drawing/2014/main" id="{4182E93D-CD31-626D-7C09-40B53C66537A}"/>
+              </a:ext>
+            </a:extLst>
+          </p:cNvPr>
+          <p:cNvSpPr>
+            <a:spLocks noGrp="1"/>
+          </p:cNvSpPr>
+          <p:nvPr>
+            <p:ph type="title"/>
+          </p:nvPr>
+        </p:nvSpPr>
+        <p:spPr>
+          <a:xfrm>
+            <a:off x="1131674" y="167148"/>
+            <a:ext cx="9905998" cy="1478570"/>
+          </a:xfrm>
+        </p:spPr>
+        <p:txBody>
+          <a:bodyPr>
+            <a:normAutofit/>
+          </a:bodyPr>
+          <a:lstStyle/>
+          <a:p>
+            <a:r>
+              <a:rPr lang="fr-CA" sz="3200" dirty="0"/>
+              <a:t>Exemple d’utilisation</a:t>
+            </a:r>
+            <a:br>
+              <a:rPr lang="fr-CA" dirty="0"/>
+            </a:br>
+            <a:endParaRPr lang="en-CA" dirty="0"/>
+          </a:p>
+        </p:txBody>
+      </p:sp>
+      <p:pic>
+        <p:nvPicPr>
+          <p:cNvPr id="9" name="Image 8">
+            <a:extLst>
+              <a:ext uri="{FF2B5EF4-FFF2-40B4-BE49-F238E27FC236}">
+                <a16:creationId xmlns:a16="http://schemas.microsoft.com/office/drawing/2014/main" id="{26D48FD6-C128-D633-F548-796286D464DE}"/>
+              </a:ext>
+            </a:extLst>
+          </p:cNvPr>
+          <p:cNvPicPr>
+            <a:picLocks noChangeAspect="1"/>
+          </p:cNvPicPr>
+          <p:nvPr/>
+        </p:nvPicPr>
+        <p:blipFill>
+          <a:blip r:embed="rId4">
+            <a:extLst>
+              <a:ext uri="{28A0092B-C50C-407E-A947-70E740481C1C}">
+                <a14:useLocalDpi xmlns:a14="http://schemas.microsoft.com/office/drawing/2010/main" val="0"/>
+              </a:ext>
+            </a:extLst>
+          </a:blip>
+          <a:stretch>
+            <a:fillRect/>
+          </a:stretch>
+        </p:blipFill>
+        <p:spPr>
+          <a:xfrm>
+            <a:off x="8730185" y="143459"/>
+            <a:ext cx="1118738" cy="1118738"/>
+          </a:xfrm>
+          <a:prstGeom prst="rect">
+            <a:avLst/>
+          </a:prstGeom>
+          <a:noFill/>
+          <a:effectLst>
+            <a:softEdge rad="0"/>
+          </a:effectLst>
+        </p:spPr>
+      </p:pic>
+      <p:pic>
+        <p:nvPicPr>
+          <p:cNvPr id="10" name="Image 9">
+            <a:extLst>
+              <a:ext uri="{FF2B5EF4-FFF2-40B4-BE49-F238E27FC236}">
+                <a16:creationId xmlns:a16="http://schemas.microsoft.com/office/drawing/2014/main" id="{6021376E-ABC9-9535-D449-853E876CE8EE}"/>
+              </a:ext>
+            </a:extLst>
+          </p:cNvPr>
+          <p:cNvPicPr>
+            <a:picLocks noChangeAspect="1"/>
+          </p:cNvPicPr>
+          <p:nvPr/>
+        </p:nvPicPr>
+        <p:blipFill>
+          <a:blip r:embed="rId5">
+            <a:extLst>
+              <a:ext uri="{28A0092B-C50C-407E-A947-70E740481C1C}">
+                <a14:useLocalDpi xmlns:a14="http://schemas.microsoft.com/office/drawing/2010/main" val="0"/>
+              </a:ext>
+            </a:extLst>
+          </a:blip>
+          <a:stretch>
+            <a:fillRect/>
+          </a:stretch>
+        </p:blipFill>
+        <p:spPr>
+          <a:xfrm>
+            <a:off x="10166675" y="121127"/>
+            <a:ext cx="1011723" cy="1118738"/>
+          </a:xfrm>
+          <a:prstGeom prst="rect">
+            <a:avLst/>
+          </a:prstGeom>
+        </p:spPr>
+      </p:pic>
+      <p:sp>
+        <p:nvSpPr>
+          <p:cNvPr id="11" name="ZoneTexte 10">
+            <a:extLst>
+              <a:ext uri="{FF2B5EF4-FFF2-40B4-BE49-F238E27FC236}">
+                <a16:creationId xmlns:a16="http://schemas.microsoft.com/office/drawing/2014/main" id="{F2B323DD-9625-3C62-B8B2-BD4F69CF2D2E}"/>
+              </a:ext>
+            </a:extLst>
+          </p:cNvPr>
+          <p:cNvSpPr txBox="1"/>
+          <p:nvPr/>
+        </p:nvSpPr>
+        <p:spPr>
+          <a:xfrm>
+            <a:off x="1131674" y="916654"/>
+            <a:ext cx="8508272" cy="369332"/>
+          </a:xfrm>
+          <a:prstGeom prst="rect">
+            <a:avLst/>
+          </a:prstGeom>
+          <a:noFill/>
+        </p:spPr>
+        <p:txBody>
+          <a:bodyPr wrap="square" rtlCol="0">
+            <a:spAutoFit/>
+          </a:bodyPr>
+          <a:lstStyle/>
+          <a:p>
+            <a:r>
+              <a:rPr lang="fr-CA" dirty="0"/>
+              <a:t>Dans l’IDE </a:t>
+            </a:r>
+            <a:r>
+              <a:rPr lang="fr-CA" dirty="0" err="1"/>
+              <a:t>CLion</a:t>
+            </a:r>
+            <a:r>
+              <a:rPr lang="fr-CA" dirty="0"/>
+              <a:t> en utilisant Ninja </a:t>
+            </a:r>
+            <a:endParaRPr lang="en-CA" dirty="0"/>
+          </a:p>
+        </p:txBody>
+      </p:sp>
+    </p:spTree>
+    <p:extLst>
+      <p:ext uri="{BB962C8B-B14F-4D97-AF65-F5344CB8AC3E}">
+        <p14:creationId xmlns:p14="http://schemas.microsoft.com/office/powerpoint/2010/main" val="3078159666"/>
+      </p:ext>
+    </p:extLst>
+  </p:cSld>
+  <p:clrMapOvr>
+    <a:masterClrMapping/>
+  </p:clrMapOvr>
+</p:sld>
+</file>
+
+<file path=ppt/slides/slide11.xml><?xml version="1.0" encoding="utf-8"?>
+<p:sld xmlns:a="http://schemas.openxmlformats.org/drawingml/2006/main" xmlns:r="http://schemas.openxmlformats.org/officeDocument/2006/relationships" xmlns:p="http://schemas.openxmlformats.org/presentationml/2006/main">
+  <p:cSld>
+    <p:spTree>
+      <p:nvGrpSpPr>
+        <p:cNvPr id="1" name=""/>
+        <p:cNvGrpSpPr/>
+        <p:nvPr/>
+      </p:nvGrpSpPr>
+      <p:grpSpPr>
+        <a:xfrm>
+          <a:off x="0" y="0"/>
+          <a:ext cx="0" cy="0"/>
+          <a:chOff x="0" y="0"/>
+          <a:chExt cx="0" cy="0"/>
+        </a:xfrm>
+      </p:grpSpPr>
+      <p:pic>
+        <p:nvPicPr>
+          <p:cNvPr id="11" name="Espace réservé du contenu 10">
+            <a:extLst>
+              <a:ext uri="{FF2B5EF4-FFF2-40B4-BE49-F238E27FC236}">
+                <a16:creationId xmlns:a16="http://schemas.microsoft.com/office/drawing/2014/main" id="{751DD508-C532-CFE3-2053-239BA95F36B1}"/>
+              </a:ext>
+            </a:extLst>
+          </p:cNvPr>
+          <p:cNvPicPr>
+            <a:picLocks noGrp="1" noChangeAspect="1"/>
+          </p:cNvPicPr>
+          <p:nvPr>
+            <p:ph idx="1"/>
+          </p:nvPr>
+        </p:nvPicPr>
+        <p:blipFill>
+          <a:blip r:embed="rId2">
+            <a:extLst>
+              <a:ext uri="{28A0092B-C50C-407E-A947-70E740481C1C}">
+                <a14:useLocalDpi xmlns:a14="http://schemas.microsoft.com/office/drawing/2010/main" val="0"/>
+              </a:ext>
+            </a:extLst>
+          </a:blip>
+          <a:srcRect l="36609" t="6397" r="27490" b="41381"/>
+          <a:stretch/>
+        </p:blipFill>
+        <p:spPr>
+          <a:xfrm>
+            <a:off x="339213" y="1645719"/>
+            <a:ext cx="4616245" cy="3775308"/>
+          </a:xfrm>
+        </p:spPr>
+      </p:pic>
+      <p:sp>
+        <p:nvSpPr>
+          <p:cNvPr id="4" name="Espace réservé du numéro de diapositive 3">
+            <a:extLst>
+              <a:ext uri="{FF2B5EF4-FFF2-40B4-BE49-F238E27FC236}">
+                <a16:creationId xmlns:a16="http://schemas.microsoft.com/office/drawing/2014/main" id="{B71BECA2-9C5E-821F-43F1-F9EFD5F1862C}"/>
+              </a:ext>
+            </a:extLst>
+          </p:cNvPr>
+          <p:cNvSpPr>
+            <a:spLocks noGrp="1"/>
+          </p:cNvSpPr>
+          <p:nvPr>
+            <p:ph type="sldNum" sz="quarter" idx="12"/>
+          </p:nvPr>
+        </p:nvSpPr>
+        <p:spPr/>
+        <p:txBody>
+          <a:bodyPr/>
+          <a:lstStyle/>
+          <a:p>
+            <a:fld id="{7A212CEB-CDB1-4872-BA4B-1FD029EC2113}" type="slidenum">
+              <a:rPr lang="en-CA" smtClean="0"/>
+              <a:t>11</a:t>
+            </a:fld>
+            <a:endParaRPr lang="en-CA"/>
+          </a:p>
+        </p:txBody>
+      </p:sp>
+      <p:pic>
+        <p:nvPicPr>
+          <p:cNvPr id="5" name="Espace réservé du contenu 6">
+            <a:extLst>
+              <a:ext uri="{FF2B5EF4-FFF2-40B4-BE49-F238E27FC236}">
+                <a16:creationId xmlns:a16="http://schemas.microsoft.com/office/drawing/2014/main" id="{AC7F7F06-65EC-0813-B44E-723833CFAAF0}"/>
+              </a:ext>
+            </a:extLst>
+          </p:cNvPr>
+          <p:cNvPicPr>
+            <a:picLocks noChangeAspect="1"/>
+          </p:cNvPicPr>
+          <p:nvPr/>
+        </p:nvPicPr>
+        <p:blipFill>
+          <a:blip r:embed="rId3">
+            <a:extLst>
+              <a:ext uri="{28A0092B-C50C-407E-A947-70E740481C1C}">
+                <a14:useLocalDpi xmlns:a14="http://schemas.microsoft.com/office/drawing/2010/main" val="0"/>
+              </a:ext>
+            </a:extLst>
+          </a:blip>
+          <a:stretch>
+            <a:fillRect/>
+          </a:stretch>
+        </p:blipFill>
+        <p:spPr>
+          <a:xfrm>
+            <a:off x="7107561" y="121127"/>
+            <a:ext cx="1118738" cy="1118738"/>
+          </a:xfrm>
+          <a:prstGeom prst="rect">
+            <a:avLst/>
+          </a:prstGeom>
+        </p:spPr>
+      </p:pic>
+      <p:sp>
+        <p:nvSpPr>
+          <p:cNvPr id="6" name="Titre 1">
+            <a:extLst>
+              <a:ext uri="{FF2B5EF4-FFF2-40B4-BE49-F238E27FC236}">
+                <a16:creationId xmlns:a16="http://schemas.microsoft.com/office/drawing/2014/main" id="{220441C1-87DF-CA81-A2CA-782F107D7D2E}"/>
+              </a:ext>
+            </a:extLst>
+          </p:cNvPr>
+          <p:cNvSpPr>
+            <a:spLocks noGrp="1"/>
+          </p:cNvSpPr>
+          <p:nvPr>
+            <p:ph type="title"/>
+          </p:nvPr>
+        </p:nvSpPr>
+        <p:spPr>
+          <a:xfrm>
+            <a:off x="1131674" y="167148"/>
+            <a:ext cx="9905998" cy="1478570"/>
+          </a:xfrm>
+        </p:spPr>
+        <p:txBody>
+          <a:bodyPr>
+            <a:normAutofit/>
+          </a:bodyPr>
+          <a:lstStyle/>
+          <a:p>
+            <a:r>
+              <a:rPr lang="fr-CA" sz="3200" dirty="0"/>
+              <a:t>Exemple d’utilisation</a:t>
+            </a:r>
+            <a:br>
+              <a:rPr lang="fr-CA" dirty="0"/>
+            </a:br>
+            <a:endParaRPr lang="en-CA" dirty="0"/>
+          </a:p>
+        </p:txBody>
+      </p:sp>
+      <p:pic>
+        <p:nvPicPr>
+          <p:cNvPr id="7" name="Image 6">
+            <a:extLst>
+              <a:ext uri="{FF2B5EF4-FFF2-40B4-BE49-F238E27FC236}">
+                <a16:creationId xmlns:a16="http://schemas.microsoft.com/office/drawing/2014/main" id="{0EA67932-45A0-9E84-6C26-DACF341EC7B7}"/>
+              </a:ext>
+            </a:extLst>
+          </p:cNvPr>
+          <p:cNvPicPr>
+            <a:picLocks noChangeAspect="1"/>
+          </p:cNvPicPr>
+          <p:nvPr/>
+        </p:nvPicPr>
+        <p:blipFill>
+          <a:blip r:embed="rId4">
+            <a:extLst>
+              <a:ext uri="{28A0092B-C50C-407E-A947-70E740481C1C}">
+                <a14:useLocalDpi xmlns:a14="http://schemas.microsoft.com/office/drawing/2010/main" val="0"/>
+              </a:ext>
+            </a:extLst>
+          </a:blip>
+          <a:stretch>
+            <a:fillRect/>
+          </a:stretch>
+        </p:blipFill>
+        <p:spPr>
+          <a:xfrm>
+            <a:off x="8730185" y="143459"/>
+            <a:ext cx="1118738" cy="1118738"/>
+          </a:xfrm>
+          <a:prstGeom prst="rect">
+            <a:avLst/>
+          </a:prstGeom>
+          <a:noFill/>
+          <a:effectLst>
+            <a:softEdge rad="0"/>
+          </a:effectLst>
+        </p:spPr>
+      </p:pic>
+      <p:pic>
+        <p:nvPicPr>
+          <p:cNvPr id="8" name="Image 7">
+            <a:extLst>
+              <a:ext uri="{FF2B5EF4-FFF2-40B4-BE49-F238E27FC236}">
+                <a16:creationId xmlns:a16="http://schemas.microsoft.com/office/drawing/2014/main" id="{272D83B5-13B4-68E9-E4E9-1DD92B4B3CCE}"/>
+              </a:ext>
+            </a:extLst>
+          </p:cNvPr>
+          <p:cNvPicPr>
+            <a:picLocks noChangeAspect="1"/>
+          </p:cNvPicPr>
+          <p:nvPr/>
+        </p:nvPicPr>
+        <p:blipFill>
+          <a:blip r:embed="rId5">
+            <a:extLst>
+              <a:ext uri="{28A0092B-C50C-407E-A947-70E740481C1C}">
+                <a14:useLocalDpi xmlns:a14="http://schemas.microsoft.com/office/drawing/2010/main" val="0"/>
+              </a:ext>
+            </a:extLst>
+          </a:blip>
+          <a:stretch>
+            <a:fillRect/>
+          </a:stretch>
+        </p:blipFill>
+        <p:spPr>
+          <a:xfrm>
+            <a:off x="10166675" y="121127"/>
+            <a:ext cx="1011723" cy="1118738"/>
+          </a:xfrm>
+          <a:prstGeom prst="rect">
+            <a:avLst/>
+          </a:prstGeom>
+        </p:spPr>
+      </p:pic>
+      <p:sp>
+        <p:nvSpPr>
+          <p:cNvPr id="9" name="ZoneTexte 8">
+            <a:extLst>
+              <a:ext uri="{FF2B5EF4-FFF2-40B4-BE49-F238E27FC236}">
+                <a16:creationId xmlns:a16="http://schemas.microsoft.com/office/drawing/2014/main" id="{70A2402B-DEB0-7FFA-E3B2-8863A71D78A2}"/>
+              </a:ext>
+            </a:extLst>
+          </p:cNvPr>
+          <p:cNvSpPr txBox="1"/>
+          <p:nvPr/>
+        </p:nvSpPr>
+        <p:spPr>
+          <a:xfrm>
+            <a:off x="1131674" y="916654"/>
+            <a:ext cx="8508272" cy="369332"/>
+          </a:xfrm>
+          <a:prstGeom prst="rect">
+            <a:avLst/>
+          </a:prstGeom>
+          <a:noFill/>
+        </p:spPr>
+        <p:txBody>
+          <a:bodyPr wrap="square" rtlCol="0">
+            <a:spAutoFit/>
+          </a:bodyPr>
+          <a:lstStyle/>
+          <a:p>
+            <a:r>
+              <a:rPr lang="fr-CA" dirty="0"/>
+              <a:t>Dans l’IDE </a:t>
+            </a:r>
+            <a:r>
+              <a:rPr lang="fr-CA" dirty="0" err="1"/>
+              <a:t>CLion</a:t>
+            </a:r>
+            <a:r>
+              <a:rPr lang="fr-CA" dirty="0"/>
+              <a:t> en utilisant Ninja </a:t>
+            </a:r>
+            <a:endParaRPr lang="en-CA" dirty="0"/>
+          </a:p>
+        </p:txBody>
+      </p:sp>
+      <p:pic>
+        <p:nvPicPr>
+          <p:cNvPr id="13" name="Image 12">
+            <a:extLst>
+              <a:ext uri="{FF2B5EF4-FFF2-40B4-BE49-F238E27FC236}">
+                <a16:creationId xmlns:a16="http://schemas.microsoft.com/office/drawing/2014/main" id="{CFE0ACA5-6A7C-0DD4-AE5C-9622176B8CAD}"/>
+              </a:ext>
+            </a:extLst>
+          </p:cNvPr>
+          <p:cNvPicPr>
+            <a:picLocks noChangeAspect="1"/>
+          </p:cNvPicPr>
+          <p:nvPr/>
+        </p:nvPicPr>
+        <p:blipFill>
+          <a:blip r:embed="rId6">
+            <a:extLst>
+              <a:ext uri="{28A0092B-C50C-407E-A947-70E740481C1C}">
+                <a14:useLocalDpi xmlns:a14="http://schemas.microsoft.com/office/drawing/2010/main" val="0"/>
+              </a:ext>
+            </a:extLst>
+          </a:blip>
+          <a:srcRect l="6048" t="15466" r="71606" b="66675"/>
+          <a:stretch/>
+        </p:blipFill>
+        <p:spPr>
+          <a:xfrm>
+            <a:off x="5501901" y="1604349"/>
+            <a:ext cx="2724398" cy="1224116"/>
+          </a:xfrm>
+          <a:prstGeom prst="rect">
+            <a:avLst/>
+          </a:prstGeom>
+        </p:spPr>
+      </p:pic>
+      <p:pic>
+        <p:nvPicPr>
+          <p:cNvPr id="15" name="Image 14">
+            <a:extLst>
+              <a:ext uri="{FF2B5EF4-FFF2-40B4-BE49-F238E27FC236}">
+                <a16:creationId xmlns:a16="http://schemas.microsoft.com/office/drawing/2014/main" id="{87C2D736-7B85-C41B-3359-8A09BE3EEDF3}"/>
+              </a:ext>
+            </a:extLst>
+          </p:cNvPr>
+          <p:cNvPicPr>
+            <a:picLocks noChangeAspect="1"/>
+          </p:cNvPicPr>
+          <p:nvPr/>
+        </p:nvPicPr>
+        <p:blipFill>
+          <a:blip r:embed="rId7">
+            <a:extLst>
+              <a:ext uri="{28A0092B-C50C-407E-A947-70E740481C1C}">
+                <a14:useLocalDpi xmlns:a14="http://schemas.microsoft.com/office/drawing/2010/main" val="0"/>
+              </a:ext>
+            </a:extLst>
+          </a:blip>
+          <a:srcRect l="5081" t="16113" r="73508" b="67566"/>
+          <a:stretch/>
+        </p:blipFill>
+        <p:spPr>
+          <a:xfrm>
+            <a:off x="5600599" y="4179928"/>
+            <a:ext cx="2610465" cy="1118738"/>
+          </a:xfrm>
+          <a:prstGeom prst="rect">
+            <a:avLst/>
+          </a:prstGeom>
+        </p:spPr>
+      </p:pic>
+      <p:pic>
+        <p:nvPicPr>
+          <p:cNvPr id="17" name="Image 16">
+            <a:extLst>
+              <a:ext uri="{FF2B5EF4-FFF2-40B4-BE49-F238E27FC236}">
+                <a16:creationId xmlns:a16="http://schemas.microsoft.com/office/drawing/2014/main" id="{E288B330-25E8-5375-50DA-10E405A4AC3A}"/>
+              </a:ext>
+            </a:extLst>
+          </p:cNvPr>
+          <p:cNvPicPr>
+            <a:picLocks noChangeAspect="1"/>
+          </p:cNvPicPr>
+          <p:nvPr/>
+        </p:nvPicPr>
+        <p:blipFill>
+          <a:blip r:embed="rId8">
+            <a:extLst>
+              <a:ext uri="{28A0092B-C50C-407E-A947-70E740481C1C}">
+                <a14:useLocalDpi xmlns:a14="http://schemas.microsoft.com/office/drawing/2010/main" val="0"/>
+              </a:ext>
+            </a:extLst>
+          </a:blip>
+          <a:srcRect l="5160" t="18039" r="74759" b="51638"/>
+          <a:stretch/>
+        </p:blipFill>
+        <p:spPr>
+          <a:xfrm>
+            <a:off x="8856207" y="3700036"/>
+            <a:ext cx="2448232" cy="2078522"/>
+          </a:xfrm>
+          <a:prstGeom prst="rect">
+            <a:avLst/>
+          </a:prstGeom>
+        </p:spPr>
+      </p:pic>
+      <p:pic>
+        <p:nvPicPr>
+          <p:cNvPr id="19" name="Image 18">
+            <a:extLst>
+              <a:ext uri="{FF2B5EF4-FFF2-40B4-BE49-F238E27FC236}">
+                <a16:creationId xmlns:a16="http://schemas.microsoft.com/office/drawing/2014/main" id="{4EA17751-169B-174C-52F5-FE1647434AC0}"/>
+              </a:ext>
+            </a:extLst>
+          </p:cNvPr>
+          <p:cNvPicPr>
+            <a:picLocks noChangeAspect="1"/>
+          </p:cNvPicPr>
+          <p:nvPr/>
+        </p:nvPicPr>
+        <p:blipFill>
+          <a:blip r:embed="rId9">
+            <a:extLst>
+              <a:ext uri="{28A0092B-C50C-407E-A947-70E740481C1C}">
+                <a14:useLocalDpi xmlns:a14="http://schemas.microsoft.com/office/drawing/2010/main" val="0"/>
+              </a:ext>
+            </a:extLst>
+          </a:blip>
+          <a:srcRect l="5444" t="18064" r="74476" b="52259"/>
+          <a:stretch/>
+        </p:blipFill>
+        <p:spPr>
+          <a:xfrm>
+            <a:off x="8856206" y="1411158"/>
+            <a:ext cx="2448233" cy="2034277"/>
+          </a:xfrm>
+          <a:prstGeom prst="rect">
+            <a:avLst/>
+          </a:prstGeom>
+        </p:spPr>
+      </p:pic>
+    </p:spTree>
+    <p:extLst>
+      <p:ext uri="{BB962C8B-B14F-4D97-AF65-F5344CB8AC3E}">
+        <p14:creationId xmlns:p14="http://schemas.microsoft.com/office/powerpoint/2010/main" val="3594351889"/>
+      </p:ext>
+    </p:extLst>
+  </p:cSld>
+  <p:clrMapOvr>
+    <a:masterClrMapping/>
+  </p:clrMapOvr>
+</p:sld>
+</file>
+
+<file path=ppt/slides/slide12.xml><?xml version="1.0" encoding="utf-8"?>
+<p:sld xmlns:a="http://schemas.openxmlformats.org/drawingml/2006/main" xmlns:r="http://schemas.openxmlformats.org/officeDocument/2006/relationships" xmlns:p="http://schemas.openxmlformats.org/presentationml/2006/main">
+  <p:cSld>
+    <p:spTree>
+      <p:nvGrpSpPr>
+        <p:cNvPr id="1" name=""/>
+        <p:cNvGrpSpPr/>
+        <p:nvPr/>
+      </p:nvGrpSpPr>
+      <p:grpSpPr>
+        <a:xfrm>
+          <a:off x="0" y="0"/>
+          <a:ext cx="0" cy="0"/>
+          <a:chOff x="0" y="0"/>
+          <a:chExt cx="0" cy="0"/>
+        </a:xfrm>
+      </p:grpSpPr>
+      <p:pic>
+        <p:nvPicPr>
+          <p:cNvPr id="11" name="Espace réservé du contenu 10">
+            <a:extLst>
+              <a:ext uri="{FF2B5EF4-FFF2-40B4-BE49-F238E27FC236}">
+                <a16:creationId xmlns:a16="http://schemas.microsoft.com/office/drawing/2014/main" id="{F75C2BCA-D010-083B-766F-29B102E42539}"/>
+              </a:ext>
+            </a:extLst>
+          </p:cNvPr>
+          <p:cNvPicPr>
+            <a:picLocks noGrp="1" noChangeAspect="1"/>
+          </p:cNvPicPr>
+          <p:nvPr>
+            <p:ph idx="1"/>
+          </p:nvPr>
+        </p:nvPicPr>
+        <p:blipFill>
+          <a:blip r:embed="rId2">
+            <a:extLst>
+              <a:ext uri="{28A0092B-C50C-407E-A947-70E740481C1C}">
+                <a14:useLocalDpi xmlns:a14="http://schemas.microsoft.com/office/drawing/2010/main" val="0"/>
+              </a:ext>
+            </a:extLst>
+          </a:blip>
+          <a:srcRect t="3408" r="709" b="4345"/>
+          <a:stretch/>
+        </p:blipFill>
+        <p:spPr>
+          <a:xfrm>
+            <a:off x="990947" y="1356011"/>
+            <a:ext cx="9905998" cy="5174342"/>
+          </a:xfrm>
+        </p:spPr>
+      </p:pic>
+      <p:sp>
+        <p:nvSpPr>
+          <p:cNvPr id="4" name="Espace réservé du numéro de diapositive 3">
+            <a:extLst>
+              <a:ext uri="{FF2B5EF4-FFF2-40B4-BE49-F238E27FC236}">
+                <a16:creationId xmlns:a16="http://schemas.microsoft.com/office/drawing/2014/main" id="{C172A6AE-1352-34DA-40FD-FE8FA049256D}"/>
+              </a:ext>
+            </a:extLst>
+          </p:cNvPr>
+          <p:cNvSpPr>
+            <a:spLocks noGrp="1"/>
+          </p:cNvSpPr>
+          <p:nvPr>
+            <p:ph type="sldNum" sz="quarter" idx="12"/>
+          </p:nvPr>
+        </p:nvSpPr>
+        <p:spPr/>
+        <p:txBody>
+          <a:bodyPr/>
+          <a:lstStyle/>
+          <a:p>
+            <a:fld id="{7A212CEB-CDB1-4872-BA4B-1FD029EC2113}" type="slidenum">
+              <a:rPr lang="en-CA" smtClean="0"/>
+              <a:t>12</a:t>
+            </a:fld>
+            <a:endParaRPr lang="en-CA"/>
+          </a:p>
+        </p:txBody>
+      </p:sp>
+      <p:pic>
+        <p:nvPicPr>
+          <p:cNvPr id="5" name="Espace réservé du contenu 6">
+            <a:extLst>
+              <a:ext uri="{FF2B5EF4-FFF2-40B4-BE49-F238E27FC236}">
+                <a16:creationId xmlns:a16="http://schemas.microsoft.com/office/drawing/2014/main" id="{8BC5F582-C77E-BF16-9D81-1EBCB007151C}"/>
+              </a:ext>
+            </a:extLst>
+          </p:cNvPr>
+          <p:cNvPicPr>
+            <a:picLocks noChangeAspect="1"/>
+          </p:cNvPicPr>
+          <p:nvPr/>
+        </p:nvPicPr>
+        <p:blipFill>
+          <a:blip r:embed="rId3">
+            <a:extLst>
+              <a:ext uri="{28A0092B-C50C-407E-A947-70E740481C1C}">
+                <a14:useLocalDpi xmlns:a14="http://schemas.microsoft.com/office/drawing/2010/main" val="0"/>
+              </a:ext>
+            </a:extLst>
+          </a:blip>
+          <a:stretch>
+            <a:fillRect/>
+          </a:stretch>
+        </p:blipFill>
+        <p:spPr>
+          <a:xfrm>
+            <a:off x="7107561" y="121127"/>
+            <a:ext cx="1118738" cy="1118738"/>
+          </a:xfrm>
+          <a:prstGeom prst="rect">
+            <a:avLst/>
+          </a:prstGeom>
+        </p:spPr>
+      </p:pic>
+      <p:sp>
+        <p:nvSpPr>
+          <p:cNvPr id="6" name="Titre 1">
+            <a:extLst>
+              <a:ext uri="{FF2B5EF4-FFF2-40B4-BE49-F238E27FC236}">
+                <a16:creationId xmlns:a16="http://schemas.microsoft.com/office/drawing/2014/main" id="{65DD4FC7-403F-B251-13D0-507EC30ED4FA}"/>
+              </a:ext>
+            </a:extLst>
+          </p:cNvPr>
+          <p:cNvSpPr>
+            <a:spLocks noGrp="1"/>
+          </p:cNvSpPr>
+          <p:nvPr>
+            <p:ph type="title"/>
+          </p:nvPr>
+        </p:nvSpPr>
+        <p:spPr>
+          <a:xfrm>
+            <a:off x="1131674" y="167148"/>
+            <a:ext cx="9905998" cy="1478570"/>
+          </a:xfrm>
+        </p:spPr>
+        <p:txBody>
+          <a:bodyPr>
+            <a:normAutofit/>
+          </a:bodyPr>
+          <a:lstStyle/>
+          <a:p>
+            <a:r>
+              <a:rPr lang="fr-CA" sz="3200" dirty="0"/>
+              <a:t>Exemple d’utilisation</a:t>
+            </a:r>
+            <a:br>
+              <a:rPr lang="fr-CA" dirty="0"/>
+            </a:br>
+            <a:endParaRPr lang="en-CA" dirty="0"/>
+          </a:p>
+        </p:txBody>
+      </p:sp>
+      <p:pic>
+        <p:nvPicPr>
+          <p:cNvPr id="7" name="Image 6">
+            <a:extLst>
+              <a:ext uri="{FF2B5EF4-FFF2-40B4-BE49-F238E27FC236}">
+                <a16:creationId xmlns:a16="http://schemas.microsoft.com/office/drawing/2014/main" id="{3D773916-B0D6-6506-4C49-07BCF56C8DD8}"/>
+              </a:ext>
+            </a:extLst>
+          </p:cNvPr>
+          <p:cNvPicPr>
+            <a:picLocks noChangeAspect="1"/>
+          </p:cNvPicPr>
+          <p:nvPr/>
+        </p:nvPicPr>
+        <p:blipFill>
+          <a:blip r:embed="rId4">
+            <a:extLst>
+              <a:ext uri="{28A0092B-C50C-407E-A947-70E740481C1C}">
+                <a14:useLocalDpi xmlns:a14="http://schemas.microsoft.com/office/drawing/2010/main" val="0"/>
+              </a:ext>
+            </a:extLst>
+          </a:blip>
+          <a:stretch>
+            <a:fillRect/>
+          </a:stretch>
+        </p:blipFill>
+        <p:spPr>
+          <a:xfrm>
+            <a:off x="8730185" y="143459"/>
+            <a:ext cx="1118738" cy="1118738"/>
+          </a:xfrm>
+          <a:prstGeom prst="rect">
+            <a:avLst/>
+          </a:prstGeom>
+          <a:noFill/>
+          <a:effectLst>
+            <a:softEdge rad="0"/>
+          </a:effectLst>
+        </p:spPr>
+      </p:pic>
+      <p:pic>
+        <p:nvPicPr>
+          <p:cNvPr id="8" name="Image 7">
+            <a:extLst>
+              <a:ext uri="{FF2B5EF4-FFF2-40B4-BE49-F238E27FC236}">
+                <a16:creationId xmlns:a16="http://schemas.microsoft.com/office/drawing/2014/main" id="{5F75CF22-1B98-A945-81ED-1373835E7FC1}"/>
+              </a:ext>
+            </a:extLst>
+          </p:cNvPr>
+          <p:cNvPicPr>
+            <a:picLocks noChangeAspect="1"/>
+          </p:cNvPicPr>
+          <p:nvPr/>
+        </p:nvPicPr>
+        <p:blipFill>
+          <a:blip r:embed="rId5">
+            <a:extLst>
+              <a:ext uri="{28A0092B-C50C-407E-A947-70E740481C1C}">
+                <a14:useLocalDpi xmlns:a14="http://schemas.microsoft.com/office/drawing/2010/main" val="0"/>
+              </a:ext>
+            </a:extLst>
+          </a:blip>
+          <a:stretch>
+            <a:fillRect/>
+          </a:stretch>
+        </p:blipFill>
+        <p:spPr>
+          <a:xfrm>
+            <a:off x="10166675" y="121127"/>
+            <a:ext cx="1011723" cy="1118738"/>
+          </a:xfrm>
+          <a:prstGeom prst="rect">
+            <a:avLst/>
+          </a:prstGeom>
+        </p:spPr>
+      </p:pic>
+      <p:sp>
+        <p:nvSpPr>
+          <p:cNvPr id="9" name="ZoneTexte 8">
+            <a:extLst>
+              <a:ext uri="{FF2B5EF4-FFF2-40B4-BE49-F238E27FC236}">
+                <a16:creationId xmlns:a16="http://schemas.microsoft.com/office/drawing/2014/main" id="{A319775B-8F76-68E7-8AA4-92AE9BEDA6B2}"/>
+              </a:ext>
+            </a:extLst>
+          </p:cNvPr>
+          <p:cNvSpPr txBox="1"/>
+          <p:nvPr/>
+        </p:nvSpPr>
+        <p:spPr>
+          <a:xfrm>
+            <a:off x="1131674" y="916654"/>
+            <a:ext cx="8508272" cy="369332"/>
+          </a:xfrm>
+          <a:prstGeom prst="rect">
+            <a:avLst/>
+          </a:prstGeom>
+          <a:noFill/>
+        </p:spPr>
+        <p:txBody>
+          <a:bodyPr wrap="square" rtlCol="0">
+            <a:spAutoFit/>
+          </a:bodyPr>
+          <a:lstStyle/>
+          <a:p>
+            <a:r>
+              <a:rPr lang="fr-CA" dirty="0"/>
+              <a:t>Dans l’IDE </a:t>
+            </a:r>
+            <a:r>
+              <a:rPr lang="fr-CA" dirty="0" err="1"/>
+              <a:t>CLion</a:t>
+            </a:r>
+            <a:r>
+              <a:rPr lang="fr-CA" dirty="0"/>
+              <a:t> en utilisant Ninja </a:t>
+            </a:r>
+            <a:endParaRPr lang="en-CA" dirty="0"/>
+          </a:p>
+        </p:txBody>
+      </p:sp>
+    </p:spTree>
+    <p:extLst>
+      <p:ext uri="{BB962C8B-B14F-4D97-AF65-F5344CB8AC3E}">
+        <p14:creationId xmlns:p14="http://schemas.microsoft.com/office/powerpoint/2010/main" val="3802389118"/>
+      </p:ext>
+    </p:extLst>
+  </p:cSld>
+  <p:clrMapOvr>
+    <a:masterClrMapping/>
+  </p:clrMapOvr>
+</p:sld>
+</file>
+
+<file path=ppt/slides/slide13.xml><?xml version="1.0" encoding="utf-8"?>
+<p:sld xmlns:a="http://schemas.openxmlformats.org/drawingml/2006/main" xmlns:r="http://schemas.openxmlformats.org/officeDocument/2006/relationships" xmlns:p="http://schemas.openxmlformats.org/presentationml/2006/main">
+  <p:cSld>
+    <p:spTree>
+      <p:nvGrpSpPr>
+        <p:cNvPr id="1" name="">
+          <a:extLst>
+            <a:ext uri="{FF2B5EF4-FFF2-40B4-BE49-F238E27FC236}">
+              <a16:creationId xmlns:a16="http://schemas.microsoft.com/office/drawing/2014/main" id="{7A0ADBAA-51C4-BCBD-4EAF-3682C5280E54}"/>
+            </a:ext>
+          </a:extLst>
+        </p:cNvPr>
+        <p:cNvGrpSpPr/>
+        <p:nvPr/>
+      </p:nvGrpSpPr>
+      <p:grpSpPr>
+        <a:xfrm>
+          <a:off x="0" y="0"/>
+          <a:ext cx="0" cy="0"/>
+          <a:chOff x="0" y="0"/>
+          <a:chExt cx="0" cy="0"/>
+        </a:xfrm>
+      </p:grpSpPr>
+      <p:sp>
+        <p:nvSpPr>
+          <p:cNvPr id="4" name="Espace réservé du numéro de diapositive 3">
+            <a:extLst>
+              <a:ext uri="{FF2B5EF4-FFF2-40B4-BE49-F238E27FC236}">
+                <a16:creationId xmlns:a16="http://schemas.microsoft.com/office/drawing/2014/main" id="{8ED1005E-1A89-FC3F-4F50-4D57F41009E2}"/>
+              </a:ext>
+            </a:extLst>
+          </p:cNvPr>
+          <p:cNvSpPr>
+            <a:spLocks noGrp="1"/>
+          </p:cNvSpPr>
+          <p:nvPr>
+            <p:ph type="sldNum" sz="quarter" idx="12"/>
+          </p:nvPr>
+        </p:nvSpPr>
+        <p:spPr/>
+        <p:txBody>
+          <a:bodyPr/>
+          <a:lstStyle/>
+          <a:p>
+            <a:fld id="{7A212CEB-CDB1-4872-BA4B-1FD029EC2113}" type="slidenum">
+              <a:rPr lang="en-CA" smtClean="0"/>
+              <a:t>13</a:t>
+            </a:fld>
+            <a:endParaRPr lang="en-CA"/>
+          </a:p>
+        </p:txBody>
+      </p:sp>
+      <p:pic>
+        <p:nvPicPr>
+          <p:cNvPr id="5" name="Espace réservé du contenu 6">
+            <a:extLst>
+              <a:ext uri="{FF2B5EF4-FFF2-40B4-BE49-F238E27FC236}">
+                <a16:creationId xmlns:a16="http://schemas.microsoft.com/office/drawing/2014/main" id="{98F01AE4-A117-A63E-BFC3-41CE044A79D0}"/>
+              </a:ext>
+            </a:extLst>
+          </p:cNvPr>
+          <p:cNvPicPr>
+            <a:picLocks noChangeAspect="1"/>
+          </p:cNvPicPr>
+          <p:nvPr/>
+        </p:nvPicPr>
+        <p:blipFill>
+          <a:blip r:embed="rId2">
+            <a:extLst>
+              <a:ext uri="{28A0092B-C50C-407E-A947-70E740481C1C}">
+                <a14:useLocalDpi xmlns:a14="http://schemas.microsoft.com/office/drawing/2010/main" val="0"/>
+              </a:ext>
+            </a:extLst>
+          </a:blip>
+          <a:stretch>
+            <a:fillRect/>
+          </a:stretch>
+        </p:blipFill>
+        <p:spPr>
+          <a:xfrm>
+            <a:off x="7107561" y="121127"/>
+            <a:ext cx="1118738" cy="1118738"/>
+          </a:xfrm>
+          <a:prstGeom prst="rect">
+            <a:avLst/>
+          </a:prstGeom>
+        </p:spPr>
+      </p:pic>
+      <p:sp>
+        <p:nvSpPr>
+          <p:cNvPr id="6" name="Titre 1">
+            <a:extLst>
+              <a:ext uri="{FF2B5EF4-FFF2-40B4-BE49-F238E27FC236}">
+                <a16:creationId xmlns:a16="http://schemas.microsoft.com/office/drawing/2014/main" id="{4F18BAC6-4EB2-14BF-EDEF-4DBE20D1B39F}"/>
+              </a:ext>
+            </a:extLst>
+          </p:cNvPr>
+          <p:cNvSpPr>
+            <a:spLocks noGrp="1"/>
+          </p:cNvSpPr>
+          <p:nvPr>
+            <p:ph type="title"/>
+          </p:nvPr>
+        </p:nvSpPr>
+        <p:spPr>
+          <a:xfrm>
+            <a:off x="1131674" y="167148"/>
+            <a:ext cx="9905998" cy="1478570"/>
+          </a:xfrm>
+        </p:spPr>
+        <p:txBody>
+          <a:bodyPr>
+            <a:normAutofit/>
+          </a:bodyPr>
+          <a:lstStyle/>
+          <a:p>
+            <a:r>
+              <a:rPr lang="fr-CA" sz="3200" dirty="0"/>
+              <a:t>Exemple d’utilisation</a:t>
+            </a:r>
+            <a:br>
+              <a:rPr lang="fr-CA" dirty="0"/>
+            </a:br>
+            <a:endParaRPr lang="en-CA" dirty="0"/>
+          </a:p>
+        </p:txBody>
+      </p:sp>
+      <p:pic>
+        <p:nvPicPr>
+          <p:cNvPr id="7" name="Image 6">
+            <a:extLst>
+              <a:ext uri="{FF2B5EF4-FFF2-40B4-BE49-F238E27FC236}">
+                <a16:creationId xmlns:a16="http://schemas.microsoft.com/office/drawing/2014/main" id="{E4ADC5EC-602E-37F5-8060-62A12D8CFC42}"/>
+              </a:ext>
+            </a:extLst>
+          </p:cNvPr>
+          <p:cNvPicPr>
+            <a:picLocks noChangeAspect="1"/>
+          </p:cNvPicPr>
+          <p:nvPr/>
+        </p:nvPicPr>
+        <p:blipFill>
+          <a:blip r:embed="rId3">
+            <a:extLst>
+              <a:ext uri="{28A0092B-C50C-407E-A947-70E740481C1C}">
+                <a14:useLocalDpi xmlns:a14="http://schemas.microsoft.com/office/drawing/2010/main" val="0"/>
+              </a:ext>
+            </a:extLst>
+          </a:blip>
+          <a:stretch>
+            <a:fillRect/>
+          </a:stretch>
+        </p:blipFill>
+        <p:spPr>
+          <a:xfrm>
+            <a:off x="8730185" y="143459"/>
+            <a:ext cx="1118738" cy="1118738"/>
+          </a:xfrm>
+          <a:prstGeom prst="rect">
+            <a:avLst/>
+          </a:prstGeom>
+          <a:noFill/>
+          <a:effectLst>
+            <a:softEdge rad="0"/>
+          </a:effectLst>
+        </p:spPr>
+      </p:pic>
+      <p:pic>
+        <p:nvPicPr>
+          <p:cNvPr id="8" name="Image 7">
+            <a:extLst>
+              <a:ext uri="{FF2B5EF4-FFF2-40B4-BE49-F238E27FC236}">
+                <a16:creationId xmlns:a16="http://schemas.microsoft.com/office/drawing/2014/main" id="{CC82FE65-3102-4C6D-3CF7-93282F56B1CE}"/>
+              </a:ext>
+            </a:extLst>
+          </p:cNvPr>
+          <p:cNvPicPr>
+            <a:picLocks noChangeAspect="1"/>
+          </p:cNvPicPr>
+          <p:nvPr/>
+        </p:nvPicPr>
+        <p:blipFill>
+          <a:blip r:embed="rId4">
+            <a:extLst>
+              <a:ext uri="{28A0092B-C50C-407E-A947-70E740481C1C}">
+                <a14:useLocalDpi xmlns:a14="http://schemas.microsoft.com/office/drawing/2010/main" val="0"/>
+              </a:ext>
+            </a:extLst>
+          </a:blip>
+          <a:stretch>
+            <a:fillRect/>
+          </a:stretch>
+        </p:blipFill>
+        <p:spPr>
+          <a:xfrm>
+            <a:off x="10166675" y="121127"/>
+            <a:ext cx="1011723" cy="1118738"/>
+          </a:xfrm>
+          <a:prstGeom prst="rect">
+            <a:avLst/>
+          </a:prstGeom>
+        </p:spPr>
+      </p:pic>
+      <p:sp>
+        <p:nvSpPr>
+          <p:cNvPr id="9" name="ZoneTexte 8">
+            <a:extLst>
+              <a:ext uri="{FF2B5EF4-FFF2-40B4-BE49-F238E27FC236}">
+                <a16:creationId xmlns:a16="http://schemas.microsoft.com/office/drawing/2014/main" id="{DAE448F3-D9F7-FF2D-E6C5-8BFAF9BE1EEB}"/>
+              </a:ext>
+            </a:extLst>
+          </p:cNvPr>
+          <p:cNvSpPr txBox="1"/>
+          <p:nvPr/>
+        </p:nvSpPr>
+        <p:spPr>
+          <a:xfrm>
+            <a:off x="1131674" y="916654"/>
+            <a:ext cx="8508272" cy="369332"/>
+          </a:xfrm>
+          <a:prstGeom prst="rect">
+            <a:avLst/>
+          </a:prstGeom>
+          <a:noFill/>
+        </p:spPr>
+        <p:txBody>
+          <a:bodyPr wrap="square" rtlCol="0">
+            <a:spAutoFit/>
+          </a:bodyPr>
+          <a:lstStyle/>
+          <a:p>
+            <a:r>
+              <a:rPr lang="fr-CA" dirty="0"/>
+              <a:t>Dans l’IDE </a:t>
+            </a:r>
+            <a:r>
+              <a:rPr lang="fr-CA" dirty="0" err="1"/>
+              <a:t>CLion</a:t>
+            </a:r>
+            <a:r>
+              <a:rPr lang="fr-CA" dirty="0"/>
+              <a:t> en utilisant Ninja </a:t>
+            </a:r>
+            <a:endParaRPr lang="en-CA" dirty="0"/>
+          </a:p>
+        </p:txBody>
+      </p:sp>
+      <p:pic>
+        <p:nvPicPr>
+          <p:cNvPr id="12" name="Image 11">
+            <a:extLst>
+              <a:ext uri="{FF2B5EF4-FFF2-40B4-BE49-F238E27FC236}">
+                <a16:creationId xmlns:a16="http://schemas.microsoft.com/office/drawing/2014/main" id="{5FA62D76-172C-E26E-B255-82A08940049A}"/>
+              </a:ext>
+            </a:extLst>
+          </p:cNvPr>
+          <p:cNvPicPr>
+            <a:picLocks noChangeAspect="1"/>
+          </p:cNvPicPr>
+          <p:nvPr/>
+        </p:nvPicPr>
+        <p:blipFill>
+          <a:blip r:embed="rId5">
+            <a:extLst>
+              <a:ext uri="{28A0092B-C50C-407E-A947-70E740481C1C}">
+                <a14:useLocalDpi xmlns:a14="http://schemas.microsoft.com/office/drawing/2010/main" val="0"/>
+              </a:ext>
+            </a:extLst>
+          </a:blip>
+          <a:srcRect t="1744" r="1291" b="5785"/>
+          <a:stretch/>
+        </p:blipFill>
+        <p:spPr>
+          <a:xfrm>
+            <a:off x="1292203" y="1464319"/>
+            <a:ext cx="9292619" cy="4894421"/>
+          </a:xfrm>
+          <a:prstGeom prst="rect">
+            <a:avLst/>
+          </a:prstGeom>
+        </p:spPr>
+      </p:pic>
+    </p:spTree>
+    <p:extLst>
+      <p:ext uri="{BB962C8B-B14F-4D97-AF65-F5344CB8AC3E}">
+        <p14:creationId xmlns:p14="http://schemas.microsoft.com/office/powerpoint/2010/main" val="3353725013"/>
+      </p:ext>
+    </p:extLst>
+  </p:cSld>
+  <p:clrMapOvr>
+    <a:masterClrMapping/>
+  </p:clrMapOvr>
+</p:sld>
+</file>
+
+<file path=ppt/slides/slide14.xml><?xml version="1.0" encoding="utf-8"?>
+<p:sld xmlns:a="http://schemas.openxmlformats.org/drawingml/2006/main" xmlns:r="http://schemas.openxmlformats.org/officeDocument/2006/relationships" xmlns:p="http://schemas.openxmlformats.org/presentationml/2006/main">
+  <p:cSld>
+    <p:spTree>
+      <p:nvGrpSpPr>
+        <p:cNvPr id="1" name="">
+          <a:extLst>
+            <a:ext uri="{FF2B5EF4-FFF2-40B4-BE49-F238E27FC236}">
+              <a16:creationId xmlns:a16="http://schemas.microsoft.com/office/drawing/2014/main" id="{EABCC5BE-72B1-CAD7-1AD1-F302B5C37C5B}"/>
+            </a:ext>
+          </a:extLst>
+        </p:cNvPr>
+        <p:cNvGrpSpPr/>
+        <p:nvPr/>
+      </p:nvGrpSpPr>
+      <p:grpSpPr>
+        <a:xfrm>
+          <a:off x="0" y="0"/>
+          <a:ext cx="0" cy="0"/>
+          <a:chOff x="0" y="0"/>
+          <a:chExt cx="0" cy="0"/>
+        </a:xfrm>
+      </p:grpSpPr>
+      <p:pic>
+        <p:nvPicPr>
+          <p:cNvPr id="10" name="Espace réservé du contenu 9">
+            <a:extLst>
+              <a:ext uri="{FF2B5EF4-FFF2-40B4-BE49-F238E27FC236}">
+                <a16:creationId xmlns:a16="http://schemas.microsoft.com/office/drawing/2014/main" id="{CC9718CC-51C7-E291-8B04-1AAF646439E5}"/>
+              </a:ext>
+            </a:extLst>
+          </p:cNvPr>
+          <p:cNvPicPr>
+            <a:picLocks noGrp="1" noChangeAspect="1"/>
+          </p:cNvPicPr>
+          <p:nvPr>
+            <p:ph idx="1"/>
+          </p:nvPr>
+        </p:nvPicPr>
+        <p:blipFill>
+          <a:blip r:embed="rId2">
+            <a:extLst>
+              <a:ext uri="{28A0092B-C50C-407E-A947-70E740481C1C}">
+                <a14:useLocalDpi xmlns:a14="http://schemas.microsoft.com/office/drawing/2010/main" val="0"/>
+              </a:ext>
+            </a:extLst>
+          </a:blip>
+          <a:srcRect t="6493" b="4963"/>
+          <a:stretch/>
+        </p:blipFill>
+        <p:spPr>
+          <a:xfrm>
+            <a:off x="1137589" y="1484003"/>
+            <a:ext cx="9613142" cy="4785588"/>
+          </a:xfrm>
+        </p:spPr>
+      </p:pic>
+      <p:sp>
+        <p:nvSpPr>
+          <p:cNvPr id="4" name="Espace réservé du numéro de diapositive 3">
+            <a:extLst>
+              <a:ext uri="{FF2B5EF4-FFF2-40B4-BE49-F238E27FC236}">
+                <a16:creationId xmlns:a16="http://schemas.microsoft.com/office/drawing/2014/main" id="{506B8A5E-4374-1757-6A52-07D06C92C1FD}"/>
+              </a:ext>
+            </a:extLst>
+          </p:cNvPr>
+          <p:cNvSpPr>
+            <a:spLocks noGrp="1"/>
+          </p:cNvSpPr>
+          <p:nvPr>
+            <p:ph type="sldNum" sz="quarter" idx="12"/>
+          </p:nvPr>
+        </p:nvSpPr>
+        <p:spPr/>
+        <p:txBody>
+          <a:bodyPr/>
+          <a:lstStyle/>
+          <a:p>
+            <a:fld id="{7A212CEB-CDB1-4872-BA4B-1FD029EC2113}" type="slidenum">
+              <a:rPr lang="en-CA" smtClean="0"/>
+              <a:t>14</a:t>
+            </a:fld>
+            <a:endParaRPr lang="en-CA"/>
+          </a:p>
+        </p:txBody>
+      </p:sp>
+      <p:pic>
+        <p:nvPicPr>
+          <p:cNvPr id="5" name="Espace réservé du contenu 6">
+            <a:extLst>
+              <a:ext uri="{FF2B5EF4-FFF2-40B4-BE49-F238E27FC236}">
+                <a16:creationId xmlns:a16="http://schemas.microsoft.com/office/drawing/2014/main" id="{6E2AF938-F355-5121-9EC8-22EFDEE10DA8}"/>
+              </a:ext>
+            </a:extLst>
+          </p:cNvPr>
+          <p:cNvPicPr>
+            <a:picLocks noChangeAspect="1"/>
+          </p:cNvPicPr>
+          <p:nvPr/>
+        </p:nvPicPr>
+        <p:blipFill>
+          <a:blip r:embed="rId3">
+            <a:extLst>
+              <a:ext uri="{28A0092B-C50C-407E-A947-70E740481C1C}">
+                <a14:useLocalDpi xmlns:a14="http://schemas.microsoft.com/office/drawing/2010/main" val="0"/>
+              </a:ext>
+            </a:extLst>
+          </a:blip>
+          <a:stretch>
+            <a:fillRect/>
+          </a:stretch>
+        </p:blipFill>
+        <p:spPr>
+          <a:xfrm>
+            <a:off x="7107561" y="121127"/>
+            <a:ext cx="1118738" cy="1118738"/>
+          </a:xfrm>
+          <a:prstGeom prst="rect">
+            <a:avLst/>
+          </a:prstGeom>
+        </p:spPr>
+      </p:pic>
+      <p:sp>
+        <p:nvSpPr>
+          <p:cNvPr id="6" name="Titre 1">
+            <a:extLst>
+              <a:ext uri="{FF2B5EF4-FFF2-40B4-BE49-F238E27FC236}">
+                <a16:creationId xmlns:a16="http://schemas.microsoft.com/office/drawing/2014/main" id="{CAB96A90-EA5B-D914-5F24-D7703CB5A7FC}"/>
+              </a:ext>
+            </a:extLst>
+          </p:cNvPr>
+          <p:cNvSpPr>
+            <a:spLocks noGrp="1"/>
+          </p:cNvSpPr>
+          <p:nvPr>
+            <p:ph type="title"/>
+          </p:nvPr>
+        </p:nvSpPr>
+        <p:spPr>
+          <a:xfrm>
+            <a:off x="1131674" y="167148"/>
+            <a:ext cx="9905998" cy="1478570"/>
+          </a:xfrm>
+        </p:spPr>
+        <p:txBody>
+          <a:bodyPr>
+            <a:normAutofit/>
+          </a:bodyPr>
+          <a:lstStyle/>
+          <a:p>
+            <a:r>
+              <a:rPr lang="fr-CA" sz="3200" dirty="0"/>
+              <a:t>Exemple d’utilisation</a:t>
+            </a:r>
+            <a:br>
+              <a:rPr lang="fr-CA" dirty="0"/>
+            </a:br>
+            <a:endParaRPr lang="en-CA" dirty="0"/>
+          </a:p>
+        </p:txBody>
+      </p:sp>
+      <p:pic>
+        <p:nvPicPr>
+          <p:cNvPr id="7" name="Image 6">
+            <a:extLst>
+              <a:ext uri="{FF2B5EF4-FFF2-40B4-BE49-F238E27FC236}">
+                <a16:creationId xmlns:a16="http://schemas.microsoft.com/office/drawing/2014/main" id="{FD42425D-39B0-11FE-2A83-8C3AB6AD4F6B}"/>
+              </a:ext>
+            </a:extLst>
+          </p:cNvPr>
+          <p:cNvPicPr>
+            <a:picLocks noChangeAspect="1"/>
+          </p:cNvPicPr>
+          <p:nvPr/>
+        </p:nvPicPr>
+        <p:blipFill>
+          <a:blip r:embed="rId4">
+            <a:extLst>
+              <a:ext uri="{28A0092B-C50C-407E-A947-70E740481C1C}">
+                <a14:useLocalDpi xmlns:a14="http://schemas.microsoft.com/office/drawing/2010/main" val="0"/>
+              </a:ext>
+            </a:extLst>
+          </a:blip>
+          <a:stretch>
+            <a:fillRect/>
+          </a:stretch>
+        </p:blipFill>
+        <p:spPr>
+          <a:xfrm>
+            <a:off x="8730185" y="143459"/>
+            <a:ext cx="1118738" cy="1118738"/>
+          </a:xfrm>
+          <a:prstGeom prst="rect">
+            <a:avLst/>
+          </a:prstGeom>
+          <a:noFill/>
+          <a:effectLst>
+            <a:softEdge rad="0"/>
+          </a:effectLst>
+        </p:spPr>
+      </p:pic>
+      <p:pic>
+        <p:nvPicPr>
+          <p:cNvPr id="8" name="Image 7">
+            <a:extLst>
+              <a:ext uri="{FF2B5EF4-FFF2-40B4-BE49-F238E27FC236}">
+                <a16:creationId xmlns:a16="http://schemas.microsoft.com/office/drawing/2014/main" id="{025E760A-20FA-E34B-E814-CDEE18FA3A71}"/>
+              </a:ext>
+            </a:extLst>
+          </p:cNvPr>
+          <p:cNvPicPr>
+            <a:picLocks noChangeAspect="1"/>
+          </p:cNvPicPr>
+          <p:nvPr/>
+        </p:nvPicPr>
+        <p:blipFill>
+          <a:blip r:embed="rId5">
+            <a:extLst>
+              <a:ext uri="{28A0092B-C50C-407E-A947-70E740481C1C}">
+                <a14:useLocalDpi xmlns:a14="http://schemas.microsoft.com/office/drawing/2010/main" val="0"/>
+              </a:ext>
+            </a:extLst>
+          </a:blip>
+          <a:stretch>
+            <a:fillRect/>
+          </a:stretch>
+        </p:blipFill>
+        <p:spPr>
+          <a:xfrm>
+            <a:off x="10166675" y="121127"/>
+            <a:ext cx="1011723" cy="1118738"/>
+          </a:xfrm>
+          <a:prstGeom prst="rect">
+            <a:avLst/>
+          </a:prstGeom>
+        </p:spPr>
+      </p:pic>
+      <p:sp>
+        <p:nvSpPr>
+          <p:cNvPr id="9" name="ZoneTexte 8">
+            <a:extLst>
+              <a:ext uri="{FF2B5EF4-FFF2-40B4-BE49-F238E27FC236}">
+                <a16:creationId xmlns:a16="http://schemas.microsoft.com/office/drawing/2014/main" id="{E21F6347-531E-E0C4-B505-1D909C3CF35D}"/>
+              </a:ext>
+            </a:extLst>
+          </p:cNvPr>
+          <p:cNvSpPr txBox="1"/>
+          <p:nvPr/>
+        </p:nvSpPr>
+        <p:spPr>
+          <a:xfrm>
+            <a:off x="1131674" y="916654"/>
+            <a:ext cx="8508272" cy="369332"/>
+          </a:xfrm>
+          <a:prstGeom prst="rect">
+            <a:avLst/>
+          </a:prstGeom>
+          <a:noFill/>
+        </p:spPr>
+        <p:txBody>
+          <a:bodyPr wrap="square" rtlCol="0">
+            <a:spAutoFit/>
+          </a:bodyPr>
+          <a:lstStyle/>
+          <a:p>
+            <a:r>
+              <a:rPr lang="fr-CA" dirty="0"/>
+              <a:t>Dans l’IDE </a:t>
+            </a:r>
+            <a:r>
+              <a:rPr lang="fr-CA" dirty="0" err="1"/>
+              <a:t>CLion</a:t>
+            </a:r>
+            <a:r>
+              <a:rPr lang="fr-CA" dirty="0"/>
+              <a:t> en utilisant Ninja </a:t>
+            </a:r>
+            <a:endParaRPr lang="en-CA" dirty="0"/>
+          </a:p>
+        </p:txBody>
+      </p:sp>
+    </p:spTree>
+    <p:extLst>
+      <p:ext uri="{BB962C8B-B14F-4D97-AF65-F5344CB8AC3E}">
+        <p14:creationId xmlns:p14="http://schemas.microsoft.com/office/powerpoint/2010/main" val="1434170815"/>
+      </p:ext>
+    </p:extLst>
+  </p:cSld>
+  <p:clrMapOvr>
+    <a:masterClrMapping/>
+  </p:clrMapOvr>
+</p:sld>
+</file>
+
+<file path=ppt/slides/slide15.xml><?xml version="1.0" encoding="utf-8"?>
+<p:sld xmlns:a="http://schemas.openxmlformats.org/drawingml/2006/main" xmlns:r="http://schemas.openxmlformats.org/officeDocument/2006/relationships" xmlns:p="http://schemas.openxmlformats.org/presentationml/2006/main">
+  <p:cSld>
+    <p:spTree>
+      <p:nvGrpSpPr>
+        <p:cNvPr id="1" name="">
+          <a:extLst>
+            <a:ext uri="{FF2B5EF4-FFF2-40B4-BE49-F238E27FC236}">
+              <a16:creationId xmlns:a16="http://schemas.microsoft.com/office/drawing/2014/main" id="{265966E4-E43A-3434-483E-D942F30B3614}"/>
+            </a:ext>
+          </a:extLst>
+        </p:cNvPr>
+        <p:cNvGrpSpPr/>
+        <p:nvPr/>
+      </p:nvGrpSpPr>
+      <p:grpSpPr>
+        <a:xfrm>
+          <a:off x="0" y="0"/>
+          <a:ext cx="0" cy="0"/>
+          <a:chOff x="0" y="0"/>
+          <a:chExt cx="0" cy="0"/>
+        </a:xfrm>
+      </p:grpSpPr>
+      <p:pic>
+        <p:nvPicPr>
+          <p:cNvPr id="10" name="Espace réservé du contenu 9">
+            <a:extLst>
+              <a:ext uri="{FF2B5EF4-FFF2-40B4-BE49-F238E27FC236}">
+                <a16:creationId xmlns:a16="http://schemas.microsoft.com/office/drawing/2014/main" id="{E6786AD5-83C5-3A28-BC94-17C0BD18122B}"/>
+              </a:ext>
+            </a:extLst>
+          </p:cNvPr>
+          <p:cNvPicPr>
+            <a:picLocks noGrp="1" noChangeAspect="1"/>
+          </p:cNvPicPr>
+          <p:nvPr>
+            <p:ph idx="1"/>
+          </p:nvPr>
+        </p:nvPicPr>
+        <p:blipFill>
+          <a:blip r:embed="rId2">
+            <a:extLst>
+              <a:ext uri="{28A0092B-C50C-407E-A947-70E740481C1C}">
+                <a14:useLocalDpi xmlns:a14="http://schemas.microsoft.com/office/drawing/2010/main" val="0"/>
+              </a:ext>
+            </a:extLst>
+          </a:blip>
+          <a:srcRect t="4602" b="3980"/>
+          <a:stretch/>
+        </p:blipFill>
+        <p:spPr>
+          <a:xfrm>
+            <a:off x="990948" y="1420922"/>
+            <a:ext cx="9778384" cy="5025838"/>
+          </a:xfrm>
+        </p:spPr>
+      </p:pic>
+      <p:sp>
+        <p:nvSpPr>
+          <p:cNvPr id="4" name="Espace réservé du numéro de diapositive 3">
+            <a:extLst>
+              <a:ext uri="{FF2B5EF4-FFF2-40B4-BE49-F238E27FC236}">
+                <a16:creationId xmlns:a16="http://schemas.microsoft.com/office/drawing/2014/main" id="{2BAD5A34-6ECE-BDC4-747B-9355A271A21D}"/>
+              </a:ext>
+            </a:extLst>
+          </p:cNvPr>
+          <p:cNvSpPr>
+            <a:spLocks noGrp="1"/>
+          </p:cNvSpPr>
+          <p:nvPr>
+            <p:ph type="sldNum" sz="quarter" idx="12"/>
+          </p:nvPr>
+        </p:nvSpPr>
+        <p:spPr/>
+        <p:txBody>
+          <a:bodyPr/>
+          <a:lstStyle/>
+          <a:p>
+            <a:fld id="{7A212CEB-CDB1-4872-BA4B-1FD029EC2113}" type="slidenum">
+              <a:rPr lang="en-CA" smtClean="0"/>
+              <a:t>15</a:t>
+            </a:fld>
+            <a:endParaRPr lang="en-CA"/>
+          </a:p>
+        </p:txBody>
+      </p:sp>
+      <p:pic>
+        <p:nvPicPr>
+          <p:cNvPr id="5" name="Espace réservé du contenu 6">
+            <a:extLst>
+              <a:ext uri="{FF2B5EF4-FFF2-40B4-BE49-F238E27FC236}">
+                <a16:creationId xmlns:a16="http://schemas.microsoft.com/office/drawing/2014/main" id="{35481E4A-D240-8C8D-849E-175FF5484A62}"/>
+              </a:ext>
+            </a:extLst>
+          </p:cNvPr>
+          <p:cNvPicPr>
+            <a:picLocks noChangeAspect="1"/>
+          </p:cNvPicPr>
+          <p:nvPr/>
+        </p:nvPicPr>
+        <p:blipFill>
+          <a:blip r:embed="rId3">
+            <a:extLst>
+              <a:ext uri="{28A0092B-C50C-407E-A947-70E740481C1C}">
+                <a14:useLocalDpi xmlns:a14="http://schemas.microsoft.com/office/drawing/2010/main" val="0"/>
+              </a:ext>
+            </a:extLst>
+          </a:blip>
+          <a:stretch>
+            <a:fillRect/>
+          </a:stretch>
+        </p:blipFill>
+        <p:spPr>
+          <a:xfrm>
+            <a:off x="7107561" y="121127"/>
+            <a:ext cx="1118738" cy="1118738"/>
+          </a:xfrm>
+          <a:prstGeom prst="rect">
+            <a:avLst/>
+          </a:prstGeom>
+        </p:spPr>
+      </p:pic>
+      <p:sp>
+        <p:nvSpPr>
+          <p:cNvPr id="6" name="Titre 1">
+            <a:extLst>
+              <a:ext uri="{FF2B5EF4-FFF2-40B4-BE49-F238E27FC236}">
+                <a16:creationId xmlns:a16="http://schemas.microsoft.com/office/drawing/2014/main" id="{B076AC1F-A06D-D653-1A60-A503266989E0}"/>
+              </a:ext>
+            </a:extLst>
+          </p:cNvPr>
+          <p:cNvSpPr>
+            <a:spLocks noGrp="1"/>
+          </p:cNvSpPr>
+          <p:nvPr>
+            <p:ph type="title"/>
+          </p:nvPr>
+        </p:nvSpPr>
+        <p:spPr>
+          <a:xfrm>
+            <a:off x="1131674" y="167148"/>
+            <a:ext cx="9905998" cy="1478570"/>
+          </a:xfrm>
+        </p:spPr>
+        <p:txBody>
+          <a:bodyPr>
+            <a:normAutofit/>
+          </a:bodyPr>
+          <a:lstStyle/>
+          <a:p>
+            <a:r>
+              <a:rPr lang="fr-CA" sz="3200" dirty="0"/>
+              <a:t>Exemple d’utilisation</a:t>
+            </a:r>
+            <a:br>
+              <a:rPr lang="fr-CA" dirty="0"/>
+            </a:br>
+            <a:endParaRPr lang="en-CA" dirty="0"/>
+          </a:p>
+        </p:txBody>
+      </p:sp>
+      <p:pic>
+        <p:nvPicPr>
+          <p:cNvPr id="7" name="Image 6">
+            <a:extLst>
+              <a:ext uri="{FF2B5EF4-FFF2-40B4-BE49-F238E27FC236}">
+                <a16:creationId xmlns:a16="http://schemas.microsoft.com/office/drawing/2014/main" id="{93E71396-126A-B0A9-E3B9-C6DC246B4046}"/>
+              </a:ext>
+            </a:extLst>
+          </p:cNvPr>
+          <p:cNvPicPr>
+            <a:picLocks noChangeAspect="1"/>
+          </p:cNvPicPr>
+          <p:nvPr/>
+        </p:nvPicPr>
+        <p:blipFill>
+          <a:blip r:embed="rId4">
+            <a:extLst>
+              <a:ext uri="{28A0092B-C50C-407E-A947-70E740481C1C}">
+                <a14:useLocalDpi xmlns:a14="http://schemas.microsoft.com/office/drawing/2010/main" val="0"/>
+              </a:ext>
+            </a:extLst>
+          </a:blip>
+          <a:stretch>
+            <a:fillRect/>
+          </a:stretch>
+        </p:blipFill>
+        <p:spPr>
+          <a:xfrm>
+            <a:off x="8730185" y="143459"/>
+            <a:ext cx="1118738" cy="1118738"/>
+          </a:xfrm>
+          <a:prstGeom prst="rect">
+            <a:avLst/>
+          </a:prstGeom>
+          <a:noFill/>
+          <a:effectLst>
+            <a:softEdge rad="0"/>
+          </a:effectLst>
+        </p:spPr>
+      </p:pic>
+      <p:pic>
+        <p:nvPicPr>
+          <p:cNvPr id="8" name="Image 7">
+            <a:extLst>
+              <a:ext uri="{FF2B5EF4-FFF2-40B4-BE49-F238E27FC236}">
+                <a16:creationId xmlns:a16="http://schemas.microsoft.com/office/drawing/2014/main" id="{74F7425E-CCFD-8C50-C13A-0BE4D192E2B6}"/>
+              </a:ext>
+            </a:extLst>
+          </p:cNvPr>
+          <p:cNvPicPr>
+            <a:picLocks noChangeAspect="1"/>
+          </p:cNvPicPr>
+          <p:nvPr/>
+        </p:nvPicPr>
+        <p:blipFill>
+          <a:blip r:embed="rId5">
+            <a:extLst>
+              <a:ext uri="{28A0092B-C50C-407E-A947-70E740481C1C}">
+                <a14:useLocalDpi xmlns:a14="http://schemas.microsoft.com/office/drawing/2010/main" val="0"/>
+              </a:ext>
+            </a:extLst>
+          </a:blip>
+          <a:stretch>
+            <a:fillRect/>
+          </a:stretch>
+        </p:blipFill>
+        <p:spPr>
+          <a:xfrm>
+            <a:off x="10166675" y="121127"/>
+            <a:ext cx="1011723" cy="1118738"/>
+          </a:xfrm>
+          <a:prstGeom prst="rect">
+            <a:avLst/>
+          </a:prstGeom>
+        </p:spPr>
+      </p:pic>
+      <p:sp>
+        <p:nvSpPr>
+          <p:cNvPr id="9" name="ZoneTexte 8">
+            <a:extLst>
+              <a:ext uri="{FF2B5EF4-FFF2-40B4-BE49-F238E27FC236}">
+                <a16:creationId xmlns:a16="http://schemas.microsoft.com/office/drawing/2014/main" id="{07176B34-20A4-D3DE-3394-176406EF2FB3}"/>
+              </a:ext>
+            </a:extLst>
+          </p:cNvPr>
+          <p:cNvSpPr txBox="1"/>
+          <p:nvPr/>
+        </p:nvSpPr>
+        <p:spPr>
+          <a:xfrm>
+            <a:off x="1131674" y="916654"/>
+            <a:ext cx="8508272" cy="369332"/>
+          </a:xfrm>
+          <a:prstGeom prst="rect">
+            <a:avLst/>
+          </a:prstGeom>
+          <a:noFill/>
+        </p:spPr>
+        <p:txBody>
+          <a:bodyPr wrap="square" rtlCol="0">
+            <a:spAutoFit/>
+          </a:bodyPr>
+          <a:lstStyle/>
+          <a:p>
+            <a:r>
+              <a:rPr lang="fr-CA" dirty="0"/>
+              <a:t>Dans l’IDE </a:t>
+            </a:r>
+            <a:r>
+              <a:rPr lang="fr-CA" dirty="0" err="1"/>
+              <a:t>CLion</a:t>
+            </a:r>
+            <a:r>
+              <a:rPr lang="fr-CA" dirty="0"/>
+              <a:t> en utilisant Ninja </a:t>
+            </a:r>
+            <a:endParaRPr lang="en-CA" dirty="0"/>
+          </a:p>
+        </p:txBody>
+      </p:sp>
+    </p:spTree>
+    <p:extLst>
+      <p:ext uri="{BB962C8B-B14F-4D97-AF65-F5344CB8AC3E}">
+        <p14:creationId xmlns:p14="http://schemas.microsoft.com/office/powerpoint/2010/main" val="701198268"/>
+      </p:ext>
+    </p:extLst>
+  </p:cSld>
+  <p:clrMapOvr>
+    <a:masterClrMapping/>
+  </p:clrMapOvr>
+</p:sld>
+</file>
+
+<file path=ppt/slides/slide16.xml><?xml version="1.0" encoding="utf-8"?>
+<p:sld xmlns:a="http://schemas.openxmlformats.org/drawingml/2006/main" xmlns:r="http://schemas.openxmlformats.org/officeDocument/2006/relationships" xmlns:p="http://schemas.openxmlformats.org/presentationml/2006/main">
+  <p:cSld>
+    <p:spTree>
+      <p:nvGrpSpPr>
+        <p:cNvPr id="1" name=""/>
+        <p:cNvGrpSpPr/>
+        <p:nvPr/>
+      </p:nvGrpSpPr>
+      <p:grpSpPr>
+        <a:xfrm>
+          <a:off x="0" y="0"/>
+          <a:ext cx="0" cy="0"/>
+          <a:chOff x="0" y="0"/>
+          <a:chExt cx="0" cy="0"/>
+        </a:xfrm>
+      </p:grpSpPr>
+      <p:sp>
+        <p:nvSpPr>
+          <p:cNvPr id="2" name="Titre 1">
+            <a:extLst>
+              <a:ext uri="{FF2B5EF4-FFF2-40B4-BE49-F238E27FC236}">
+                <a16:creationId xmlns:a16="http://schemas.microsoft.com/office/drawing/2014/main" id="{F36555CB-E99B-4A1A-CAF2-40081942AD31}"/>
+              </a:ext>
+            </a:extLst>
+          </p:cNvPr>
+          <p:cNvSpPr>
+            <a:spLocks noGrp="1"/>
+          </p:cNvSpPr>
+          <p:nvPr>
+            <p:ph type="title"/>
+          </p:nvPr>
+        </p:nvSpPr>
+        <p:spPr>
+          <a:xfrm>
+            <a:off x="1421631" y="-30410"/>
+            <a:ext cx="9905998" cy="1478570"/>
+          </a:xfrm>
+        </p:spPr>
+        <p:txBody>
+          <a:bodyPr/>
+          <a:lstStyle/>
+          <a:p>
+            <a:r>
+              <a:rPr lang="fr-CA" dirty="0"/>
+              <a:t>Réflexion</a:t>
+            </a:r>
+            <a:endParaRPr lang="en-CA" dirty="0"/>
+          </a:p>
+        </p:txBody>
+      </p:sp>
+      <p:pic>
+        <p:nvPicPr>
+          <p:cNvPr id="6" name="Espace réservé du contenu 5">
+            <a:extLst>
+              <a:ext uri="{FF2B5EF4-FFF2-40B4-BE49-F238E27FC236}">
+                <a16:creationId xmlns:a16="http://schemas.microsoft.com/office/drawing/2014/main" id="{79AFF03E-9A85-6128-2420-672FA218663B}"/>
+              </a:ext>
+            </a:extLst>
+          </p:cNvPr>
+          <p:cNvPicPr>
+            <a:picLocks noGrp="1" noChangeAspect="1"/>
+          </p:cNvPicPr>
+          <p:nvPr>
+            <p:ph idx="1"/>
+          </p:nvPr>
+        </p:nvPicPr>
+        <p:blipFill>
+          <a:blip r:embed="rId2">
+            <a:extLst>
+              <a:ext uri="{28A0092B-C50C-407E-A947-70E740481C1C}">
+                <a14:useLocalDpi xmlns:a14="http://schemas.microsoft.com/office/drawing/2010/main" val="0"/>
+              </a:ext>
+            </a:extLst>
+          </a:blip>
+          <a:stretch>
+            <a:fillRect/>
+          </a:stretch>
+        </p:blipFill>
+        <p:spPr>
+          <a:xfrm>
+            <a:off x="593674" y="4260163"/>
+            <a:ext cx="2444494" cy="2299353"/>
+          </a:xfrm>
+        </p:spPr>
+      </p:pic>
+      <p:sp>
+        <p:nvSpPr>
+          <p:cNvPr id="4" name="Espace réservé du numéro de diapositive 3">
+            <a:extLst>
+              <a:ext uri="{FF2B5EF4-FFF2-40B4-BE49-F238E27FC236}">
+                <a16:creationId xmlns:a16="http://schemas.microsoft.com/office/drawing/2014/main" id="{42723463-2D2E-8683-D64A-BFE8639A07A1}"/>
+              </a:ext>
+            </a:extLst>
+          </p:cNvPr>
+          <p:cNvSpPr>
+            <a:spLocks noGrp="1"/>
+          </p:cNvSpPr>
+          <p:nvPr>
+            <p:ph type="sldNum" sz="quarter" idx="12"/>
+          </p:nvPr>
+        </p:nvSpPr>
+        <p:spPr/>
+        <p:txBody>
+          <a:bodyPr/>
+          <a:lstStyle/>
+          <a:p>
+            <a:fld id="{7A212CEB-CDB1-4872-BA4B-1FD029EC2113}" type="slidenum">
+              <a:rPr lang="en-CA" smtClean="0"/>
+              <a:t>16</a:t>
+            </a:fld>
+            <a:endParaRPr lang="en-CA"/>
+          </a:p>
+        </p:txBody>
+      </p:sp>
+      <p:sp>
+        <p:nvSpPr>
+          <p:cNvPr id="3" name="ZoneTexte 2">
+            <a:extLst>
+              <a:ext uri="{FF2B5EF4-FFF2-40B4-BE49-F238E27FC236}">
+                <a16:creationId xmlns:a16="http://schemas.microsoft.com/office/drawing/2014/main" id="{C8701B4D-5082-D066-3847-7DE57E60594D}"/>
+              </a:ext>
+            </a:extLst>
+          </p:cNvPr>
+          <p:cNvSpPr txBox="1"/>
+          <p:nvPr/>
+        </p:nvSpPr>
+        <p:spPr>
+          <a:xfrm>
+            <a:off x="1421631" y="1448160"/>
+            <a:ext cx="8854690" cy="2308324"/>
+          </a:xfrm>
+          <a:prstGeom prst="rect">
+            <a:avLst/>
+          </a:prstGeom>
+          <a:noFill/>
+        </p:spPr>
+        <p:txBody>
+          <a:bodyPr wrap="square" rtlCol="0">
+            <a:spAutoFit/>
+          </a:bodyPr>
+          <a:lstStyle/>
+          <a:p>
+            <a:pPr marL="285750" indent="-285750">
+              <a:buFontTx/>
+              <a:buChar char="-"/>
+            </a:pPr>
+            <a:r>
+              <a:rPr lang="fr-CA" sz="2400" dirty="0" err="1"/>
+              <a:t>CMake</a:t>
+            </a:r>
+            <a:r>
+              <a:rPr lang="fr-CA" sz="2400" dirty="0"/>
+              <a:t> et </a:t>
+            </a:r>
+            <a:r>
+              <a:rPr lang="fr-CA" sz="2400" dirty="0" err="1"/>
+              <a:t>CTest</a:t>
+            </a:r>
+            <a:r>
+              <a:rPr lang="fr-CA" sz="2400" dirty="0"/>
+              <a:t> sont fidèles au stéréotypes du C : Difficile à maitriser parfaitement, mais très utiles lorsque bien utilisés</a:t>
+            </a:r>
+          </a:p>
+          <a:p>
+            <a:pPr marL="285750" indent="-285750">
+              <a:buFontTx/>
+              <a:buChar char="-"/>
+            </a:pPr>
+            <a:r>
+              <a:rPr lang="fr-CA" sz="2400" dirty="0"/>
+              <a:t>Permettent une manipulation fine des modules individuels - utile pour les gros projets ayant plusieurs sous-modules</a:t>
+            </a:r>
+          </a:p>
+          <a:p>
+            <a:pPr marL="285750" indent="-285750">
+              <a:buFontTx/>
+              <a:buChar char="-"/>
+            </a:pPr>
+            <a:r>
+              <a:rPr lang="fr-CA" sz="2400" dirty="0"/>
+              <a:t>Son utilisation en tandem avec des machine virtuelles semble tout indiquée pour tester dans divers environnements</a:t>
+            </a:r>
+            <a:endParaRPr lang="en-CA" sz="2400" dirty="0"/>
+          </a:p>
+        </p:txBody>
+      </p:sp>
     </p:spTree>
     <p:extLst>
       <p:ext uri="{BB962C8B-B14F-4D97-AF65-F5344CB8AC3E}">
         <p14:creationId xmlns:p14="http://schemas.microsoft.com/office/powerpoint/2010/main" val="3092960317"/>
+      </p:ext>
+    </p:extLst>
+  </p:cSld>
+  <p:clrMapOvr>
+    <a:masterClrMapping/>
+  </p:clrMapOvr>
+</p:sld>
+</file>
+
+<file path=ppt/slides/slide17.xml><?xml version="1.0" encoding="utf-8"?>
+<p:sld xmlns:a="http://schemas.openxmlformats.org/drawingml/2006/main" xmlns:r="http://schemas.openxmlformats.org/officeDocument/2006/relationships" xmlns:p="http://schemas.openxmlformats.org/presentationml/2006/main">
+  <p:cSld>
+    <p:spTree>
+      <p:nvGrpSpPr>
+        <p:cNvPr id="1" name=""/>
+        <p:cNvGrpSpPr/>
+        <p:nvPr/>
+      </p:nvGrpSpPr>
+      <p:grpSpPr>
+        <a:xfrm>
+          <a:off x="0" y="0"/>
+          <a:ext cx="0" cy="0"/>
+          <a:chOff x="0" y="0"/>
+          <a:chExt cx="0" cy="0"/>
+        </a:xfrm>
+      </p:grpSpPr>
+      <p:sp>
+        <p:nvSpPr>
+          <p:cNvPr id="2" name="Titre 1">
+            <a:extLst>
+              <a:ext uri="{FF2B5EF4-FFF2-40B4-BE49-F238E27FC236}">
+                <a16:creationId xmlns:a16="http://schemas.microsoft.com/office/drawing/2014/main" id="{C766A0AC-41FB-37DB-35B2-6F44AA7AD7A4}"/>
+              </a:ext>
+            </a:extLst>
+          </p:cNvPr>
+          <p:cNvSpPr>
+            <a:spLocks noGrp="1"/>
+          </p:cNvSpPr>
+          <p:nvPr>
+            <p:ph type="title"/>
+          </p:nvPr>
+        </p:nvSpPr>
+        <p:spPr>
+          <a:xfrm>
+            <a:off x="1141412" y="220311"/>
+            <a:ext cx="9905998" cy="1478570"/>
+          </a:xfrm>
+        </p:spPr>
+        <p:txBody>
+          <a:bodyPr/>
+          <a:lstStyle/>
+          <a:p>
+            <a:r>
+              <a:rPr lang="fr-CA" dirty="0"/>
+              <a:t>Conclusion</a:t>
+            </a:r>
+            <a:endParaRPr lang="en-CA" dirty="0"/>
+          </a:p>
+        </p:txBody>
+      </p:sp>
+      <p:sp>
+        <p:nvSpPr>
+          <p:cNvPr id="3" name="Espace réservé du contenu 2">
+            <a:extLst>
+              <a:ext uri="{FF2B5EF4-FFF2-40B4-BE49-F238E27FC236}">
+                <a16:creationId xmlns:a16="http://schemas.microsoft.com/office/drawing/2014/main" id="{E819BA45-950A-2A92-49E7-799B025CE180}"/>
+              </a:ext>
+            </a:extLst>
+          </p:cNvPr>
+          <p:cNvSpPr>
+            <a:spLocks noGrp="1"/>
+          </p:cNvSpPr>
+          <p:nvPr>
+            <p:ph idx="1"/>
+          </p:nvPr>
+        </p:nvSpPr>
+        <p:spPr/>
+        <p:txBody>
+          <a:bodyPr/>
+          <a:lstStyle/>
+          <a:p>
+            <a:pPr marL="0" indent="0">
+              <a:buNone/>
+            </a:pPr>
+            <a:r>
+              <a:rPr lang="fr-CA" dirty="0"/>
+              <a:t>La clef d’un bon programme en C …</a:t>
+            </a:r>
+            <a:endParaRPr lang="en-CA" dirty="0"/>
+          </a:p>
+        </p:txBody>
+      </p:sp>
+      <p:sp>
+        <p:nvSpPr>
+          <p:cNvPr id="4" name="Espace réservé du numéro de diapositive 3">
+            <a:extLst>
+              <a:ext uri="{FF2B5EF4-FFF2-40B4-BE49-F238E27FC236}">
+                <a16:creationId xmlns:a16="http://schemas.microsoft.com/office/drawing/2014/main" id="{CA2A0D39-B079-BDD9-AABE-9914905E4864}"/>
+              </a:ext>
+            </a:extLst>
+          </p:cNvPr>
+          <p:cNvSpPr>
+            <a:spLocks noGrp="1"/>
+          </p:cNvSpPr>
+          <p:nvPr>
+            <p:ph type="sldNum" sz="quarter" idx="12"/>
+          </p:nvPr>
+        </p:nvSpPr>
+        <p:spPr/>
+        <p:txBody>
+          <a:bodyPr/>
+          <a:lstStyle/>
+          <a:p>
+            <a:fld id="{7A212CEB-CDB1-4872-BA4B-1FD029EC2113}" type="slidenum">
+              <a:rPr lang="en-CA" smtClean="0"/>
+              <a:t>17</a:t>
+            </a:fld>
+            <a:endParaRPr lang="en-CA"/>
+          </a:p>
+        </p:txBody>
+      </p:sp>
+      <p:sp>
+        <p:nvSpPr>
+          <p:cNvPr id="5" name="ZoneTexte 4">
+            <a:extLst>
+              <a:ext uri="{FF2B5EF4-FFF2-40B4-BE49-F238E27FC236}">
+                <a16:creationId xmlns:a16="http://schemas.microsoft.com/office/drawing/2014/main" id="{762F22A9-F874-D71D-85D6-A9DCF8A92738}"/>
+              </a:ext>
+            </a:extLst>
+          </p:cNvPr>
+          <p:cNvSpPr txBox="1"/>
+          <p:nvPr/>
+        </p:nvSpPr>
+        <p:spPr>
+          <a:xfrm>
+            <a:off x="2569546" y="3358624"/>
+            <a:ext cx="6518787" cy="1323439"/>
+          </a:xfrm>
+          <a:prstGeom prst="rect">
+            <a:avLst/>
+          </a:prstGeom>
+          <a:noFill/>
+        </p:spPr>
+        <p:txBody>
+          <a:bodyPr wrap="square" rtlCol="0">
+            <a:spAutoFit/>
+          </a:bodyPr>
+          <a:lstStyle/>
+          <a:p>
+            <a:pPr algn="ctr"/>
+            <a:r>
+              <a:rPr lang="fr-CA" sz="4000" dirty="0" err="1"/>
+              <a:t>CTester</a:t>
+            </a:r>
+            <a:r>
+              <a:rPr lang="fr-CA" sz="4000" dirty="0"/>
+              <a:t> son projet </a:t>
+            </a:r>
+            <a:r>
+              <a:rPr lang="fr-CA" sz="4000" dirty="0" err="1"/>
+              <a:t>CMake</a:t>
+            </a:r>
+            <a:r>
+              <a:rPr lang="fr-CA" sz="4000" dirty="0"/>
+              <a:t> dans différents environnements</a:t>
+            </a:r>
+            <a:endParaRPr lang="en-CA" sz="4000" dirty="0"/>
+          </a:p>
+        </p:txBody>
+      </p:sp>
+    </p:spTree>
+    <p:extLst>
+      <p:ext uri="{BB962C8B-B14F-4D97-AF65-F5344CB8AC3E}">
+        <p14:creationId xmlns:p14="http://schemas.microsoft.com/office/powerpoint/2010/main" val="3860160066"/>
+      </p:ext>
+    </p:extLst>
+  </p:cSld>
+  <p:clrMapOvr>
+    <a:masterClrMapping/>
+  </p:clrMapOvr>
+  <p:timing>
+    <p:tnLst>
+      <p:par>
+        <p:cTn id="1" dur="indefinite" restart="never" nodeType="tmRoot">
+          <p:childTnLst>
+            <p:seq concurrent="1" nextAc="seek">
+              <p:cTn id="2" dur="indefinite" nodeType="mainSeq">
+                <p:childTnLst>
+                  <p:par>
+                    <p:cTn id="3" fill="hold">
+                      <p:stCondLst>
+                        <p:cond delay="indefinite"/>
+                      </p:stCondLst>
+                      <p:childTnLst>
+                        <p:par>
+                          <p:cTn id="4" fill="hold">
+                            <p:stCondLst>
+                              <p:cond delay="0"/>
+                            </p:stCondLst>
+                            <p:childTnLst>
+                              <p:par>
+                                <p:cTn id="5" presetID="1" presetClass="entr" presetSubtype="0" fill="hold" grpId="0" nodeType="clickEffect">
+                                  <p:stCondLst>
+                                    <p:cond delay="0"/>
+                                  </p:stCondLst>
+                                  <p:childTnLst>
+                                    <p:set>
+                                      <p:cBhvr>
+                                        <p:cTn id="6" dur="1" fill="hold">
+                                          <p:stCondLst>
+                                            <p:cond delay="0"/>
+                                          </p:stCondLst>
+                                        </p:cTn>
+                                        <p:tgtEl>
+                                          <p:spTgt spid="5"/>
+                                        </p:tgtEl>
+                                        <p:attrNameLst>
+                                          <p:attrName>style.visibility</p:attrName>
+                                        </p:attrNameLst>
+                                      </p:cBhvr>
+                                      <p:to>
+                                        <p:strVal val="visible"/>
+                                      </p:to>
+                                    </p:set>
+                                  </p:childTnLst>
+                                </p:cTn>
+                              </p:par>
+                            </p:childTnLst>
+                          </p:cTn>
+                        </p:par>
+                      </p:childTnLst>
+                    </p:cTn>
+                  </p:par>
+                </p:childTnLst>
+              </p:cTn>
+              <p:prevCondLst>
+                <p:cond evt="onPrev" delay="0">
+                  <p:tgtEl>
+                    <p:sldTgt/>
+                  </p:tgtEl>
+                </p:cond>
+              </p:prevCondLst>
+              <p:nextCondLst>
+                <p:cond evt="onNext" delay="0">
+                  <p:tgtEl>
+                    <p:sldTgt/>
+                  </p:tgtEl>
+                </p:cond>
+              </p:nextCondLst>
+            </p:seq>
+          </p:childTnLst>
+        </p:cTn>
+      </p:par>
+    </p:tnLst>
+    <p:bldLst>
+      <p:bldP spid="5" grpId="0"/>
+    </p:bldLst>
+  </p:timing>
+</p:sld>
+</file>
+
+<file path=ppt/slides/slide18.xml><?xml version="1.0" encoding="utf-8"?>
+<p:sld xmlns:a="http://schemas.openxmlformats.org/drawingml/2006/main" xmlns:r="http://schemas.openxmlformats.org/officeDocument/2006/relationships" xmlns:p="http://schemas.openxmlformats.org/presentationml/2006/main">
+  <p:cSld>
+    <p:spTree>
+      <p:nvGrpSpPr>
+        <p:cNvPr id="1" name=""/>
+        <p:cNvGrpSpPr/>
+        <p:nvPr/>
+      </p:nvGrpSpPr>
+      <p:grpSpPr>
+        <a:xfrm>
+          <a:off x="0" y="0"/>
+          <a:ext cx="0" cy="0"/>
+          <a:chOff x="0" y="0"/>
+          <a:chExt cx="0" cy="0"/>
+        </a:xfrm>
+      </p:grpSpPr>
+      <p:sp>
+        <p:nvSpPr>
+          <p:cNvPr id="2" name="Titre 1">
+            <a:extLst>
+              <a:ext uri="{FF2B5EF4-FFF2-40B4-BE49-F238E27FC236}">
+                <a16:creationId xmlns:a16="http://schemas.microsoft.com/office/drawing/2014/main" id="{DB46327E-21DA-D27C-7057-058F6A372D2F}"/>
+              </a:ext>
+            </a:extLst>
+          </p:cNvPr>
+          <p:cNvSpPr>
+            <a:spLocks noGrp="1"/>
+          </p:cNvSpPr>
+          <p:nvPr>
+            <p:ph type="title"/>
+          </p:nvPr>
+        </p:nvSpPr>
+        <p:spPr>
+          <a:xfrm>
+            <a:off x="1141413" y="249811"/>
+            <a:ext cx="9905998" cy="1478570"/>
+          </a:xfrm>
+        </p:spPr>
+        <p:txBody>
+          <a:bodyPr/>
+          <a:lstStyle/>
+          <a:p>
+            <a:r>
+              <a:rPr lang="fr-CA" dirty="0"/>
+              <a:t>Sources</a:t>
+            </a:r>
+            <a:endParaRPr lang="en-CA" dirty="0"/>
+          </a:p>
+        </p:txBody>
+      </p:sp>
+      <p:sp>
+        <p:nvSpPr>
+          <p:cNvPr id="3" name="Espace réservé du contenu 2">
+            <a:extLst>
+              <a:ext uri="{FF2B5EF4-FFF2-40B4-BE49-F238E27FC236}">
+                <a16:creationId xmlns:a16="http://schemas.microsoft.com/office/drawing/2014/main" id="{DD660A2B-DDD9-B35A-5E08-43C87D0ED4BE}"/>
+              </a:ext>
+            </a:extLst>
+          </p:cNvPr>
+          <p:cNvSpPr>
+            <a:spLocks noGrp="1"/>
+          </p:cNvSpPr>
+          <p:nvPr>
+            <p:ph idx="1"/>
+          </p:nvPr>
+        </p:nvSpPr>
+        <p:spPr/>
+        <p:txBody>
+          <a:bodyPr/>
+          <a:lstStyle/>
+          <a:p>
+            <a:r>
+              <a:rPr lang="en-CA" dirty="0">
+                <a:hlinkClick r:id="rId2"/>
+              </a:rPr>
+              <a:t>https://earthly.dev/blog/cmake-vs-make-diff/</a:t>
+            </a:r>
+            <a:endParaRPr lang="en-CA" dirty="0"/>
+          </a:p>
+          <a:p>
+            <a:r>
+              <a:rPr lang="en-CA" dirty="0">
+                <a:hlinkClick r:id="rId3"/>
+              </a:rPr>
+              <a:t>https://cmake.org/cmake/help/git-master/manual/cmake-generators.7.html#cmake-generators</a:t>
+            </a:r>
+            <a:endParaRPr lang="en-CA" dirty="0"/>
+          </a:p>
+          <a:p>
+            <a:r>
+              <a:rPr lang="en-CA" dirty="0">
+                <a:hlinkClick r:id="rId4"/>
+              </a:rPr>
+              <a:t>https://cmake.org/cmake/help/book/mastering-cmake/chapter/Why%20CMake.html</a:t>
+            </a:r>
+            <a:endParaRPr lang="en-CA" dirty="0"/>
+          </a:p>
+          <a:p>
+            <a:endParaRPr lang="en-CA" dirty="0"/>
+          </a:p>
+        </p:txBody>
+      </p:sp>
+      <p:sp>
+        <p:nvSpPr>
+          <p:cNvPr id="4" name="Espace réservé du numéro de diapositive 3">
+            <a:extLst>
+              <a:ext uri="{FF2B5EF4-FFF2-40B4-BE49-F238E27FC236}">
+                <a16:creationId xmlns:a16="http://schemas.microsoft.com/office/drawing/2014/main" id="{88C44FD2-3D34-AAAA-6378-E8FEDB3BE06E}"/>
+              </a:ext>
+            </a:extLst>
+          </p:cNvPr>
+          <p:cNvSpPr>
+            <a:spLocks noGrp="1"/>
+          </p:cNvSpPr>
+          <p:nvPr>
+            <p:ph type="sldNum" sz="quarter" idx="12"/>
+          </p:nvPr>
+        </p:nvSpPr>
+        <p:spPr/>
+        <p:txBody>
+          <a:bodyPr/>
+          <a:lstStyle/>
+          <a:p>
+            <a:fld id="{7A212CEB-CDB1-4872-BA4B-1FD029EC2113}" type="slidenum">
+              <a:rPr lang="en-CA" smtClean="0"/>
+              <a:t>18</a:t>
+            </a:fld>
+            <a:endParaRPr lang="en-CA"/>
+          </a:p>
+        </p:txBody>
+      </p:sp>
+    </p:spTree>
+    <p:extLst>
+      <p:ext uri="{BB962C8B-B14F-4D97-AF65-F5344CB8AC3E}">
+        <p14:creationId xmlns:p14="http://schemas.microsoft.com/office/powerpoint/2010/main" val="278138973"/>
       </p:ext>
     </p:extLst>
   </p:cSld>
@@ -13116,7 +15494,9 @@
         </p:nvSpPr>
         <p:spPr/>
         <p:txBody>
-          <a:bodyPr/>
+          <a:bodyPr>
+            <a:normAutofit fontScale="92500" lnSpcReduction="10000"/>
+          </a:bodyPr>
           <a:lstStyle/>
           <a:p>
             <a:r>
@@ -13220,6 +15600,19 @@
             <a:r>
               <a:rPr lang="en-CA" dirty="0"/>
               <a:t> Ninja</a:t>
+            </a:r>
+          </a:p>
+          <a:p>
+            <a:r>
+              <a:rPr lang="en-CA" dirty="0" err="1"/>
+              <a:t>Réflexion</a:t>
+            </a:r>
+            <a:endParaRPr lang="en-CA" dirty="0"/>
+          </a:p>
+          <a:p>
+            <a:r>
+              <a:rPr lang="en-CA" dirty="0"/>
+              <a:t>Conclusion</a:t>
             </a:r>
           </a:p>
         </p:txBody>
@@ -14571,6 +16964,86 @@
           </a:effectLst>
         </p:spPr>
       </p:pic>
+      <p:sp>
+        <p:nvSpPr>
+          <p:cNvPr id="3" name="Espace réservé du pied de page 2">
+            <a:extLst>
+              <a:ext uri="{FF2B5EF4-FFF2-40B4-BE49-F238E27FC236}">
+                <a16:creationId xmlns:a16="http://schemas.microsoft.com/office/drawing/2014/main" id="{5896BC0D-52FF-D153-662C-01CDBC8A0880}"/>
+              </a:ext>
+            </a:extLst>
+          </p:cNvPr>
+          <p:cNvSpPr>
+            <a:spLocks noGrp="1"/>
+          </p:cNvSpPr>
+          <p:nvPr>
+            <p:ph type="ftr" sz="quarter" idx="11"/>
+          </p:nvPr>
+        </p:nvSpPr>
+        <p:spPr/>
+        <p:txBody>
+          <a:bodyPr/>
+          <a:lstStyle/>
+          <a:p>
+            <a:r>
+              <a:rPr lang="en-CA" dirty="0"/>
+              <a:t>3.https://cmake.org/</a:t>
+            </a:r>
+            <a:r>
+              <a:rPr lang="en-CA" dirty="0" err="1"/>
+              <a:t>cmake</a:t>
+            </a:r>
+            <a:r>
+              <a:rPr lang="en-CA" dirty="0"/>
+              <a:t>/help/book/mastering-</a:t>
+            </a:r>
+            <a:r>
+              <a:rPr lang="en-CA" dirty="0" err="1"/>
+              <a:t>cmake</a:t>
+            </a:r>
+            <a:r>
+              <a:rPr lang="en-CA" dirty="0"/>
+              <a:t>/chapter/Why%20CMake.html</a:t>
+            </a:r>
+          </a:p>
+        </p:txBody>
+      </p:sp>
+      <p:sp>
+        <p:nvSpPr>
+          <p:cNvPr id="6" name="ZoneTexte 5">
+            <a:extLst>
+              <a:ext uri="{FF2B5EF4-FFF2-40B4-BE49-F238E27FC236}">
+                <a16:creationId xmlns:a16="http://schemas.microsoft.com/office/drawing/2014/main" id="{C60FA15B-7D27-8138-4F54-739B1530E6DF}"/>
+              </a:ext>
+            </a:extLst>
+          </p:cNvPr>
+          <p:cNvSpPr txBox="1"/>
+          <p:nvPr/>
+        </p:nvSpPr>
+        <p:spPr>
+          <a:xfrm>
+            <a:off x="10334884" y="2934926"/>
+            <a:ext cx="1446210" cy="307777"/>
+          </a:xfrm>
+          <a:prstGeom prst="rect">
+            <a:avLst/>
+          </a:prstGeom>
+          <a:noFill/>
+        </p:spPr>
+        <p:txBody>
+          <a:bodyPr wrap="square" rtlCol="0">
+            <a:spAutoFit/>
+          </a:bodyPr>
+          <a:lstStyle/>
+          <a:p>
+            <a:r>
+              <a:rPr lang="fr-CA" sz="1400" dirty="0"/>
+              <a:t>3. (en)</a:t>
+            </a:r>
+            <a:endParaRPr lang="en-CA" sz="1400" dirty="0"/>
+          </a:p>
+        </p:txBody>
+      </p:sp>
     </p:spTree>
     <p:extLst>
       <p:ext uri="{BB962C8B-B14F-4D97-AF65-F5344CB8AC3E}">
@@ -15062,7 +17535,7 @@
                   <a:schemeClr val="bg1"/>
                 </a:solidFill>
               </a:rPr>
-              <a:t>Fichier intermédiaire</a:t>
+              <a:t>Fichiers intermédiaire</a:t>
             </a:r>
             <a:endParaRPr lang="en-CA" sz="1600" dirty="0">
               <a:solidFill>
@@ -15481,7 +17954,7 @@
           <a:p>
             <a:r>
               <a:rPr lang="fr-CA" dirty="0"/>
-              <a:t>Spécifiques à des systèmes de construction logicielle particuliers</a:t>
+              <a:t>Généralement spécifiques à des systèmes de construction logicielle particuliers</a:t>
             </a:r>
           </a:p>
           <a:p>
@@ -16223,6 +18696,41 @@
       </p:grpSpPr>
       <p:pic>
         <p:nvPicPr>
+          <p:cNvPr id="3" name="Image 2">
+            <a:extLst>
+              <a:ext uri="{FF2B5EF4-FFF2-40B4-BE49-F238E27FC236}">
+                <a16:creationId xmlns:a16="http://schemas.microsoft.com/office/drawing/2014/main" id="{91475723-2990-A37B-D2C4-EFDF35248518}"/>
+              </a:ext>
+            </a:extLst>
+          </p:cNvPr>
+          <p:cNvPicPr>
+            <a:picLocks noChangeAspect="1"/>
+          </p:cNvPicPr>
+          <p:nvPr/>
+        </p:nvPicPr>
+        <p:blipFill>
+          <a:blip r:embed="rId2">
+            <a:extLst>
+              <a:ext uri="{28A0092B-C50C-407E-A947-70E740481C1C}">
+                <a14:useLocalDpi xmlns:a14="http://schemas.microsoft.com/office/drawing/2010/main" val="0"/>
+              </a:ext>
+            </a:extLst>
+          </a:blip>
+          <a:srcRect l="1765" t="5053" r="63078" b="48898"/>
+          <a:stretch/>
+        </p:blipFill>
+        <p:spPr>
+          <a:xfrm>
+            <a:off x="2605687" y="1507148"/>
+            <a:ext cx="6190484" cy="4558688"/>
+          </a:xfrm>
+          <a:prstGeom prst="rect">
+            <a:avLst/>
+          </a:prstGeom>
+        </p:spPr>
+      </p:pic>
+      <p:pic>
+        <p:nvPicPr>
           <p:cNvPr id="7" name="Espace réservé du contenu 6">
             <a:extLst>
               <a:ext uri="{FF2B5EF4-FFF2-40B4-BE49-F238E27FC236}">
@@ -16238,7 +18746,7 @@
           </p:nvPr>
         </p:nvPicPr>
         <p:blipFill>
-          <a:blip r:embed="rId2">
+          <a:blip r:embed="rId3">
             <a:extLst>
               <a:ext uri="{28A0092B-C50C-407E-A947-70E740481C1C}">
                 <a14:useLocalDpi xmlns:a14="http://schemas.microsoft.com/office/drawing/2010/main" val="0"/>
@@ -16303,7 +18811,7 @@
         </p:nvSpPr>
         <p:spPr>
           <a:xfrm>
-            <a:off x="1131674" y="609600"/>
+            <a:off x="1131674" y="167148"/>
             <a:ext cx="9905998" cy="1478570"/>
           </a:xfrm>
         </p:spPr>
@@ -16339,7 +18847,7 @@
           <p:nvPr/>
         </p:nvPicPr>
         <p:blipFill>
-          <a:blip r:embed="rId3">
+          <a:blip r:embed="rId4">
             <a:extLst>
               <a:ext uri="{28A0092B-C50C-407E-A947-70E740481C1C}">
                 <a14:useLocalDpi xmlns:a14="http://schemas.microsoft.com/office/drawing/2010/main" val="0"/>
@@ -16379,7 +18887,7 @@
           <p:nvPr/>
         </p:nvPicPr>
         <p:blipFill>
-          <a:blip r:embed="rId4">
+          <a:blip r:embed="rId5">
             <a:extLst>
               <a:ext uri="{28A0092B-C50C-407E-A947-70E740481C1C}">
                 <a14:useLocalDpi xmlns:a14="http://schemas.microsoft.com/office/drawing/2010/main" val="0"/>
@@ -16414,7 +18922,7 @@
         </p:nvSpPr>
         <p:spPr>
           <a:xfrm>
-            <a:off x="1131674" y="1521340"/>
+            <a:off x="1131674" y="916654"/>
             <a:ext cx="8508272" cy="369332"/>
           </a:xfrm>
           <a:prstGeom prst="rect">
